--- a/以太坊/Web3.js.pptx
+++ b/以太坊/Web3.js.pptx
@@ -27,11 +27,11 @@
     <p:sldId id="318" r:id="rId20"/>
     <p:sldId id="319" r:id="rId21"/>
     <p:sldId id="320" r:id="rId22"/>
-    <p:sldId id="321" r:id="rId23"/>
-    <p:sldId id="322" r:id="rId24"/>
-    <p:sldId id="323" r:id="rId25"/>
-    <p:sldId id="324" r:id="rId26"/>
-    <p:sldId id="325" r:id="rId27"/>
+    <p:sldId id="322" r:id="rId23"/>
+    <p:sldId id="323" r:id="rId24"/>
+    <p:sldId id="324" r:id="rId25"/>
+    <p:sldId id="325" r:id="rId26"/>
+    <p:sldId id="321" r:id="rId27"/>
   </p:sldIdLst>
   <p:sldSz cx="9144000" cy="5143500"/>
   <p:notesSz cx="6858000" cy="9144000"/>
@@ -1193,7 +1193,7 @@
           <a:bodyPr/>
           <a:lstStyle/>
           <a:p>
-            <a:endParaRPr lang="en-US" altLang="zh-CN" sz="1200" b="0" i="0" kern="1200" smtClean="0">
+            <a:endParaRPr lang="en-US" altLang="zh-CN" sz="1200" b="0" i="0" kern="1200" dirty="0" smtClean="0">
               <a:solidFill>
                 <a:schemeClr val="tx1"/>
               </a:solidFill>
@@ -1365,7 +1365,7 @@
           <a:bodyPr/>
           <a:lstStyle/>
           <a:p>
-            <a:endParaRPr lang="en-US" altLang="zh-CN" sz="1200" b="0" i="0" kern="1200" dirty="0" smtClean="0">
+            <a:endParaRPr lang="en-US" altLang="zh-CN" sz="1200" b="0" i="0" kern="1200" smtClean="0">
               <a:solidFill>
                 <a:schemeClr val="tx1"/>
               </a:solidFill>
@@ -1451,7 +1451,7 @@
           <a:bodyPr/>
           <a:lstStyle/>
           <a:p>
-            <a:endParaRPr lang="en-US" altLang="zh-CN" sz="1200" b="0" i="0" kern="1200" smtClean="0">
+            <a:endParaRPr lang="en-US" altLang="zh-CN" sz="1200" b="0" i="0" kern="1200" dirty="0" smtClean="0">
               <a:solidFill>
                 <a:schemeClr val="tx1"/>
               </a:solidFill>
@@ -1623,7 +1623,7 @@
           <a:bodyPr/>
           <a:lstStyle/>
           <a:p>
-            <a:endParaRPr lang="en-US" altLang="zh-CN" sz="1200" b="0" i="0" kern="1200" dirty="0" smtClean="0">
+            <a:endParaRPr lang="en-US" altLang="zh-CN" sz="1200" b="0" i="0" kern="1200" smtClean="0">
               <a:solidFill>
                 <a:schemeClr val="tx1"/>
               </a:solidFill>
@@ -8771,21 +8771,14 @@
                 <a:latin typeface="微软雅黑 Light" panose="020B0502040204020203" pitchFamily="34" charset="-122"/>
                 <a:ea typeface="微软雅黑 Light" panose="020B0502040204020203" pitchFamily="34" charset="-122"/>
               </a:rPr>
-              <a:t> </a:t>
-            </a:r>
-            <a:r>
-              <a:rPr lang="en-US" altLang="zh-CN" sz="2700">
-                <a:latin typeface="微软雅黑 Light" panose="020B0502040204020203" pitchFamily="34" charset="-122"/>
-                <a:ea typeface="微软雅黑 Light" panose="020B0502040204020203" pitchFamily="34" charset="-122"/>
-              </a:rPr>
-              <a:t> </a:t>
+              <a:t>  </a:t>
             </a:r>
             <a:r>
               <a:rPr lang="zh-CN" altLang="en-US" sz="2700" smtClean="0">
                 <a:latin typeface="微软雅黑 Light" panose="020B0502040204020203" pitchFamily="34" charset="-122"/>
                 <a:ea typeface="微软雅黑 Light" panose="020B0502040204020203" pitchFamily="34" charset="-122"/>
               </a:rPr>
-              <a:t>消息调用</a:t>
+              <a:t>日志过滤（事件监听）</a:t>
             </a:r>
             <a:endParaRPr lang="zh-CN" altLang="en-US" sz="2700" dirty="0">
               <a:latin typeface="微软雅黑 Light" panose="020B0502040204020203" pitchFamily="34" charset="-122"/>
@@ -8812,120 +8805,36 @@
         </p:spPr>
         <p:txBody>
           <a:bodyPr>
-            <a:normAutofit fontScale="72500"/>
+            <a:normAutofit fontScale="90000" lnSpcReduction="10000"/>
           </a:bodyPr>
           <a:lstStyle/>
           <a:p>
             <a:pPr>
               <a:lnSpc>
-                <a:spcPct val="200000"/>
+                <a:spcPct val="150000"/>
               </a:lnSpc>
             </a:pPr>
             <a:r>
               <a:rPr lang="en-US" altLang="zh-CN" sz="1800" smtClean="0"/>
-              <a:t>web3.eth.call(</a:t>
+              <a:t>web3.eth.filter( </a:t>
             </a:r>
             <a:r>
               <a:rPr lang="en-US" altLang="zh-CN" sz="1800" i="1" smtClean="0"/>
-              <a:t>callObject</a:t>
+              <a:t>filterOptions</a:t>
             </a:r>
             <a:r>
               <a:rPr lang="en-US" altLang="zh-CN" sz="1800" smtClean="0"/>
-              <a:t> </a:t>
-            </a:r>
-            <a:r>
-              <a:rPr lang="en-US" altLang="zh-CN" sz="1800"/>
-              <a:t>[, </a:t>
-            </a:r>
-            <a:r>
-              <a:rPr lang="en-US" altLang="zh-CN" sz="1800" i="1"/>
-              <a:t>defaultBlock</a:t>
-            </a:r>
-            <a:r>
-              <a:rPr lang="en-US" altLang="zh-CN" sz="1800"/>
-              <a:t>] [, </a:t>
-            </a:r>
-            <a:r>
-              <a:rPr lang="en-US" altLang="zh-CN" sz="1800" i="1"/>
+              <a:t> [ , </a:t>
+            </a:r>
+            <a:r>
+              <a:rPr lang="en-US" altLang="zh-CN" sz="1800" i="1" smtClean="0"/>
               <a:t>callback</a:t>
             </a:r>
             <a:r>
-              <a:rPr lang="en-US" altLang="zh-CN" sz="1800"/>
-              <a:t>])</a:t>
+              <a:rPr lang="en-US" altLang="zh-CN" sz="1800" smtClean="0"/>
+              <a:t> ] )</a:t>
             </a:r>
             <a:endParaRPr lang="en-US" altLang="zh-CN" sz="1800"/>
-          </a:p>
-          <a:p>
-            <a:pPr>
-              <a:lnSpc>
-                <a:spcPct val="200000"/>
-              </a:lnSpc>
-            </a:pPr>
-            <a:r>
-              <a:rPr lang="zh-CN" altLang="en-US" sz="1800"/>
-              <a:t>参数</a:t>
-            </a:r>
-            <a:r>
-              <a:rPr lang="zh-CN" altLang="en-US" sz="1800" smtClean="0"/>
-              <a:t>：</a:t>
-            </a:r>
-            <a:endParaRPr lang="en-US" altLang="zh-CN" sz="1800" smtClean="0"/>
-          </a:p>
-          <a:p>
-            <a:pPr lvl="1">
-              <a:lnSpc>
-                <a:spcPct val="200000"/>
-              </a:lnSpc>
-            </a:pPr>
-            <a:r>
-              <a:rPr lang="zh-CN" altLang="en-US" sz="1350" smtClean="0"/>
-              <a:t>调用对象：与交易对象相同，只是</a:t>
-            </a:r>
-            <a:r>
-              <a:rPr lang="en-US" altLang="zh-CN" sz="1350" smtClean="0"/>
-              <a:t>from</a:t>
-            </a:r>
-            <a:r>
-              <a:rPr lang="zh-CN" altLang="en-US" sz="1350" smtClean="0"/>
-              <a:t>也是可选的</a:t>
-            </a:r>
-            <a:endParaRPr lang="en-US" altLang="zh-CN" sz="1350" smtClean="0"/>
-          </a:p>
-          <a:p>
-            <a:pPr lvl="1">
-              <a:lnSpc>
-                <a:spcPct val="200000"/>
-              </a:lnSpc>
-            </a:pPr>
-            <a:r>
-              <a:rPr lang="zh-CN" altLang="en-US" sz="1350" smtClean="0"/>
-              <a:t>默认区块：默认“</a:t>
-            </a:r>
-            <a:r>
-              <a:rPr lang="en-US" altLang="zh-CN" sz="1350" smtClean="0"/>
-              <a:t>latest</a:t>
-            </a:r>
-            <a:r>
-              <a:rPr lang="zh-CN" altLang="en-US" sz="1350" smtClean="0"/>
-              <a:t>”，可以传入指定的区块高度</a:t>
-            </a:r>
-            <a:endParaRPr lang="en-US" altLang="zh-CN" sz="1350" smtClean="0"/>
-          </a:p>
-          <a:p>
-            <a:pPr lvl="1">
-              <a:lnSpc>
-                <a:spcPct val="200000"/>
-              </a:lnSpc>
-            </a:pPr>
-            <a:r>
-              <a:rPr lang="zh-CN" altLang="en-US" sz="1350"/>
-              <a:t>回调函</a:t>
-            </a:r>
-            <a:r>
-              <a:rPr lang="zh-CN" altLang="en-US" sz="1350" smtClean="0"/>
-              <a:t>数，如果没有则为同步调用</a:t>
-            </a:r>
-            <a:endParaRPr lang="en-US" altLang="zh-CN" sz="1350" smtClean="0"/>
           </a:p>
           <a:p>
             <a:pPr marL="720090" indent="0">
@@ -8942,7 +8851,7 @@
                   </a:schemeClr>
                 </a:solidFill>
               </a:rPr>
-              <a:t>var result = web3.eth.call({ to: </a:t>
+              <a:t>// </a:t>
             </a:r>
             <a:r>
               <a:rPr lang="en-US" altLang="zh-CN" sz="1500" i="1" smtClean="0">
@@ -8952,17 +8861,37 @@
                   </a:schemeClr>
                 </a:solidFill>
               </a:rPr>
-              <a:t>	"</a:t>
-            </a:r>
-            <a:r>
-              <a:rPr lang="en-US" altLang="zh-CN" sz="1500" i="1">
+              <a:t>filterString </a:t>
+            </a:r>
+            <a:r>
+              <a:rPr lang="zh-CN" altLang="en-US" sz="1500" i="1" smtClean="0">
                 <a:solidFill>
                   <a:schemeClr val="accent1">
                     <a:lumMod val="75000"/>
                   </a:schemeClr>
                 </a:solidFill>
               </a:rPr>
-              <a:t>0xc4abd0339eb8d57087278718986382264244252f", </a:t>
+              <a:t>可以是</a:t>
+            </a:r>
+            <a:r>
+              <a:rPr lang="en-US" altLang="zh-CN" sz="1500" i="1" smtClean="0">
+                <a:solidFill>
+                  <a:schemeClr val="accent1">
+                    <a:lumMod val="75000"/>
+                  </a:schemeClr>
+                </a:solidFill>
+              </a:rPr>
+              <a:t> </a:t>
+            </a:r>
+            <a:r>
+              <a:rPr lang="en-US" altLang="zh-CN" sz="1500" i="1">
+                <a:solidFill>
+                  <a:schemeClr val="accent1">
+                    <a:lumMod val="75000"/>
+                  </a:schemeClr>
+                </a:solidFill>
+              </a:rPr>
+              <a:t>'latest' or 'pending' </a:t>
             </a:r>
             <a:endParaRPr lang="en-US" altLang="zh-CN" sz="1500" i="1" smtClean="0">
               <a:solidFill>
@@ -8980,46 +8909,36 @@
               <a:buNone/>
             </a:pPr>
             <a:r>
-              <a:rPr lang="en-US" altLang="zh-CN" sz="1500" i="1" smtClean="0">
+              <a:rPr lang="en-US" altLang="zh-CN" sz="1500" smtClean="0">
                 <a:solidFill>
                   <a:schemeClr val="accent1">
                     <a:lumMod val="75000"/>
                   </a:schemeClr>
                 </a:solidFill>
               </a:rPr>
-              <a:t>	data</a:t>
-            </a:r>
-            <a:r>
-              <a:rPr lang="en-US" altLang="zh-CN" sz="1500" i="1">
+              <a:t>var </a:t>
+            </a:r>
+            <a:r>
+              <a:rPr lang="en-US" altLang="zh-CN" sz="1500">
                 <a:solidFill>
                   <a:schemeClr val="accent1">
                     <a:lumMod val="75000"/>
                   </a:schemeClr>
                 </a:solidFill>
               </a:rPr>
-              <a:t>: 		</a:t>
-            </a:r>
-            <a:r>
-              <a:rPr lang="en-US" altLang="zh-CN" sz="1500" i="1" smtClean="0">
+              <a:t>filter = web3.eth.filter</a:t>
+            </a:r>
+            <a:r>
+              <a:rPr lang="en-US" altLang="zh-CN" sz="1500" i="1">
                 <a:solidFill>
                   <a:schemeClr val="accent1">
                     <a:lumMod val="75000"/>
                   </a:schemeClr>
                 </a:solidFill>
               </a:rPr>
-              <a:t>			"0xc6888fa1000000000000000000000000000000000000000000000000000		0000000000003</a:t>
-            </a:r>
-            <a:r>
-              <a:rPr lang="en-US" altLang="zh-CN" sz="1500" i="1">
-                <a:solidFill>
-                  <a:schemeClr val="accent1">
-                    <a:lumMod val="75000"/>
-                  </a:schemeClr>
-                </a:solidFill>
-              </a:rPr>
-              <a:t>" }); </a:t>
-            </a:r>
-            <a:endParaRPr lang="en-US" altLang="zh-CN" sz="1500" i="1">
+              <a:t>(filterString); </a:t>
+            </a:r>
+            <a:endParaRPr lang="en-US" altLang="zh-CN" sz="1500" i="1" smtClean="0">
               <a:solidFill>
                 <a:schemeClr val="accent1">
                   <a:lumMod val="75000"/>
@@ -9035,16 +8954,36 @@
               <a:buNone/>
             </a:pPr>
             <a:r>
-              <a:rPr lang="en-US" altLang="zh-CN" sz="1500" i="1">
+              <a:rPr lang="en-US" altLang="zh-CN" sz="1500" i="1" smtClean="0">
                 <a:solidFill>
                   <a:schemeClr val="accent1">
                     <a:lumMod val="75000"/>
                   </a:schemeClr>
                 </a:solidFill>
               </a:rPr>
-              <a:t>console.log(result);</a:t>
-            </a:r>
-            <a:endParaRPr lang="en-US" altLang="zh-CN" sz="1500" i="1">
+              <a:t>// </a:t>
+            </a:r>
+            <a:r>
+              <a:rPr lang="zh-CN" altLang="en-US" sz="1500" i="1" smtClean="0">
+                <a:solidFill>
+                  <a:schemeClr val="accent1">
+                    <a:lumMod val="75000"/>
+                  </a:schemeClr>
+                </a:solidFill>
+              </a:rPr>
+              <a:t>或者可以填入一个日志过滤 </a:t>
+            </a:r>
+            <a:r>
+              <a:rPr lang="en-US" altLang="zh-CN" sz="1500" i="1" smtClean="0">
+                <a:solidFill>
+                  <a:schemeClr val="accent1">
+                    <a:lumMod val="75000"/>
+                  </a:schemeClr>
+                </a:solidFill>
+              </a:rPr>
+              <a:t>options </a:t>
+            </a:r>
+            <a:endParaRPr lang="en-US" altLang="zh-CN" sz="1500" i="1" smtClean="0">
               <a:solidFill>
                 <a:schemeClr val="accent1">
                   <a:lumMod val="75000"/>
@@ -9053,12 +8992,287 @@
             </a:endParaRPr>
           </a:p>
           <a:p>
-            <a:pPr lvl="1">
+            <a:pPr marL="720090" indent="0">
+              <a:lnSpc>
+                <a:spcPct val="130000"/>
+              </a:lnSpc>
+              <a:buNone/>
+            </a:pPr>
+            <a:r>
+              <a:rPr lang="en-US" altLang="zh-CN" sz="1500" smtClean="0">
+                <a:solidFill>
+                  <a:schemeClr val="accent1">
+                    <a:lumMod val="75000"/>
+                  </a:schemeClr>
+                </a:solidFill>
+              </a:rPr>
+              <a:t>var </a:t>
+            </a:r>
+            <a:r>
+              <a:rPr lang="en-US" altLang="zh-CN" sz="1500">
+                <a:solidFill>
+                  <a:schemeClr val="accent1">
+                    <a:lumMod val="75000"/>
+                  </a:schemeClr>
+                </a:solidFill>
+              </a:rPr>
+              <a:t>filter = web3.eth.filter</a:t>
+            </a:r>
+            <a:r>
+              <a:rPr lang="en-US" altLang="zh-CN" sz="1500" i="1">
+                <a:solidFill>
+                  <a:schemeClr val="accent1">
+                    <a:lumMod val="75000"/>
+                  </a:schemeClr>
+                </a:solidFill>
+              </a:rPr>
+              <a:t>(options); </a:t>
+            </a:r>
+            <a:endParaRPr lang="en-US" altLang="zh-CN" sz="1500" i="1" smtClean="0">
+              <a:solidFill>
+                <a:schemeClr val="accent1">
+                  <a:lumMod val="75000"/>
+                </a:schemeClr>
+              </a:solidFill>
+            </a:endParaRPr>
+          </a:p>
+          <a:p>
+            <a:pPr marL="720090" indent="0">
+              <a:lnSpc>
+                <a:spcPct val="130000"/>
+              </a:lnSpc>
+              <a:buNone/>
+            </a:pPr>
+            <a:r>
+              <a:rPr lang="en-US" altLang="zh-CN" sz="1500" i="1" smtClean="0">
+                <a:solidFill>
+                  <a:schemeClr val="accent1">
+                    <a:lumMod val="75000"/>
+                  </a:schemeClr>
+                </a:solidFill>
+              </a:rPr>
+              <a:t>// </a:t>
+            </a:r>
+            <a:r>
+              <a:rPr lang="zh-CN" altLang="en-US" sz="1500" i="1" smtClean="0">
+                <a:solidFill>
+                  <a:schemeClr val="accent1">
+                    <a:lumMod val="75000"/>
+                  </a:schemeClr>
+                </a:solidFill>
+              </a:rPr>
+              <a:t>监听日志变化</a:t>
+            </a:r>
+            <a:endParaRPr lang="en-US" altLang="zh-CN" sz="1500" i="1" smtClean="0">
+              <a:solidFill>
+                <a:schemeClr val="accent1">
+                  <a:lumMod val="75000"/>
+                </a:schemeClr>
+              </a:solidFill>
+            </a:endParaRPr>
+          </a:p>
+          <a:p>
+            <a:pPr marL="720090" indent="0">
+              <a:lnSpc>
+                <a:spcPct val="130000"/>
+              </a:lnSpc>
+              <a:buNone/>
+            </a:pPr>
+            <a:r>
+              <a:rPr lang="en-US" altLang="zh-CN" sz="1500" smtClean="0">
+                <a:solidFill>
+                  <a:schemeClr val="accent1">
+                    <a:lumMod val="75000"/>
+                  </a:schemeClr>
+                </a:solidFill>
+              </a:rPr>
+              <a:t>filter.watch(function(error</a:t>
+            </a:r>
+            <a:r>
+              <a:rPr lang="en-US" altLang="zh-CN" sz="1500">
+                <a:solidFill>
+                  <a:schemeClr val="accent1">
+                    <a:lumMod val="75000"/>
+                  </a:schemeClr>
+                </a:solidFill>
+              </a:rPr>
+              <a:t>, result){ </a:t>
+            </a:r>
+            <a:r>
+              <a:rPr lang="en-US" altLang="zh-CN" sz="1500" smtClean="0">
+                <a:solidFill>
+                  <a:schemeClr val="accent1">
+                    <a:lumMod val="75000"/>
+                  </a:schemeClr>
+                </a:solidFill>
+              </a:rPr>
+              <a:t>if </a:t>
+            </a:r>
+            <a:r>
+              <a:rPr lang="en-US" altLang="zh-CN" sz="1500">
+                <a:solidFill>
+                  <a:schemeClr val="accent1">
+                    <a:lumMod val="75000"/>
+                  </a:schemeClr>
+                </a:solidFill>
+              </a:rPr>
+              <a:t>(!error) console.log(result); }); </a:t>
+            </a:r>
+            <a:endParaRPr lang="en-US" altLang="zh-CN" sz="1500" smtClean="0">
+              <a:solidFill>
+                <a:schemeClr val="accent1">
+                  <a:lumMod val="75000"/>
+                </a:schemeClr>
+              </a:solidFill>
+            </a:endParaRPr>
+          </a:p>
+          <a:p>
+            <a:pPr marL="720090" indent="0">
+              <a:lnSpc>
+                <a:spcPct val="130000"/>
+              </a:lnSpc>
+              <a:buNone/>
+            </a:pPr>
+            <a:r>
+              <a:rPr lang="en-US" altLang="zh-CN" sz="1500" i="1" smtClean="0">
+                <a:solidFill>
+                  <a:schemeClr val="accent1">
+                    <a:lumMod val="75000"/>
+                  </a:schemeClr>
+                </a:solidFill>
+              </a:rPr>
+              <a:t>// </a:t>
+            </a:r>
+            <a:r>
+              <a:rPr lang="zh-CN" altLang="en-US" sz="1500" i="1" smtClean="0">
+                <a:solidFill>
+                  <a:schemeClr val="accent1">
+                    <a:lumMod val="75000"/>
+                  </a:schemeClr>
+                </a:solidFill>
+              </a:rPr>
+              <a:t>还可以用传入回调函数的方法，立刻开始监听日志</a:t>
+            </a:r>
+            <a:endParaRPr lang="en-US" altLang="zh-CN" sz="1500" i="1" smtClean="0">
+              <a:solidFill>
+                <a:schemeClr val="accent1">
+                  <a:lumMod val="75000"/>
+                </a:schemeClr>
+              </a:solidFill>
+            </a:endParaRPr>
+          </a:p>
+          <a:p>
+            <a:pPr marL="720090" indent="0">
+              <a:lnSpc>
+                <a:spcPct val="130000"/>
+              </a:lnSpc>
+              <a:buNone/>
+            </a:pPr>
+            <a:r>
+              <a:rPr lang="en-US" altLang="zh-CN" sz="1500" smtClean="0">
+                <a:solidFill>
+                  <a:schemeClr val="accent1">
+                    <a:lumMod val="75000"/>
+                  </a:schemeClr>
+                </a:solidFill>
+              </a:rPr>
+              <a:t>web3.eth.filter(options</a:t>
+            </a:r>
+            <a:r>
+              <a:rPr lang="en-US" altLang="zh-CN" sz="1500">
+                <a:solidFill>
+                  <a:schemeClr val="accent1">
+                    <a:lumMod val="75000"/>
+                  </a:schemeClr>
+                </a:solidFill>
+              </a:rPr>
+              <a:t>, function(error, result){ </a:t>
+            </a:r>
+            <a:endParaRPr lang="en-US" altLang="zh-CN" sz="1500" smtClean="0">
+              <a:solidFill>
+                <a:schemeClr val="accent1">
+                  <a:lumMod val="75000"/>
+                </a:schemeClr>
+              </a:solidFill>
+            </a:endParaRPr>
+          </a:p>
+          <a:p>
+            <a:pPr marL="720090" indent="0">
+              <a:lnSpc>
+                <a:spcPct val="130000"/>
+              </a:lnSpc>
+              <a:buNone/>
+            </a:pPr>
+            <a:r>
+              <a:rPr lang="en-US" altLang="zh-CN" sz="1500">
+                <a:solidFill>
+                  <a:schemeClr val="accent1">
+                    <a:lumMod val="75000"/>
+                  </a:schemeClr>
+                </a:solidFill>
+              </a:rPr>
+              <a:t>	</a:t>
+            </a:r>
+            <a:r>
+              <a:rPr lang="en-US" altLang="zh-CN" sz="1500" smtClean="0">
+                <a:solidFill>
+                  <a:schemeClr val="accent1">
+                    <a:lumMod val="75000"/>
+                  </a:schemeClr>
+                </a:solidFill>
+              </a:rPr>
+              <a:t>if </a:t>
+            </a:r>
+            <a:r>
+              <a:rPr lang="en-US" altLang="zh-CN" sz="1500">
+                <a:solidFill>
+                  <a:schemeClr val="accent1">
+                    <a:lumMod val="75000"/>
+                  </a:schemeClr>
+                </a:solidFill>
+              </a:rPr>
+              <a:t>(!error) console.log(result); </a:t>
+            </a:r>
+            <a:endParaRPr lang="en-US" altLang="zh-CN" sz="1500" smtClean="0">
+              <a:solidFill>
+                <a:schemeClr val="accent1">
+                  <a:lumMod val="75000"/>
+                </a:schemeClr>
+              </a:solidFill>
+            </a:endParaRPr>
+          </a:p>
+          <a:p>
+            <a:pPr marL="720090" indent="0">
+              <a:lnSpc>
+                <a:spcPct val="130000"/>
+              </a:lnSpc>
+              <a:buNone/>
+            </a:pPr>
+            <a:r>
+              <a:rPr lang="en-US" altLang="zh-CN" sz="1500" smtClean="0">
+                <a:solidFill>
+                  <a:schemeClr val="accent1">
+                    <a:lumMod val="75000"/>
+                  </a:schemeClr>
+                </a:solidFill>
+              </a:rPr>
+              <a:t>});</a:t>
+            </a:r>
+            <a:endParaRPr lang="en-US" altLang="zh-CN" sz="1500">
+              <a:solidFill>
+                <a:schemeClr val="accent1">
+                  <a:lumMod val="75000"/>
+                </a:schemeClr>
+              </a:solidFill>
+            </a:endParaRPr>
+          </a:p>
+          <a:p>
+            <a:pPr>
               <a:lnSpc>
                 <a:spcPct val="150000"/>
               </a:lnSpc>
             </a:pPr>
-            <a:endParaRPr lang="en-US" altLang="zh-CN" sz="1200"/>
+            <a:endParaRPr lang="en-US" altLang="zh-CN" sz="1800" smtClean="0"/>
           </a:p>
           <a:p>
             <a:pPr>
@@ -9146,7 +9360,21 @@
                 <a:latin typeface="微软雅黑 Light" panose="020B0502040204020203" pitchFamily="34" charset="-122"/>
                 <a:ea typeface="微软雅黑 Light" panose="020B0502040204020203" pitchFamily="34" charset="-122"/>
               </a:rPr>
-              <a:t>日志过滤（事件监听）</a:t>
+              <a:t>合约相关 </a:t>
+            </a:r>
+            <a:r>
+              <a:rPr lang="en-US" altLang="zh-CN" sz="2700" smtClean="0">
+                <a:latin typeface="微软雅黑 Light" panose="020B0502040204020203" pitchFamily="34" charset="-122"/>
+                <a:ea typeface="微软雅黑 Light" panose="020B0502040204020203" pitchFamily="34" charset="-122"/>
+              </a:rPr>
+              <a:t>—— </a:t>
+            </a:r>
+            <a:r>
+              <a:rPr lang="zh-CN" altLang="en-US" sz="2700" smtClean="0">
+                <a:latin typeface="微软雅黑 Light" panose="020B0502040204020203" pitchFamily="34" charset="-122"/>
+                <a:ea typeface="微软雅黑 Light" panose="020B0502040204020203" pitchFamily="34" charset="-122"/>
+              </a:rPr>
+              <a:t>创建合约</a:t>
             </a:r>
             <a:endParaRPr lang="zh-CN" altLang="en-US" sz="2700" dirty="0">
               <a:latin typeface="微软雅黑 Light" panose="020B0502040204020203" pitchFamily="34" charset="-122"/>
@@ -9173,7 +9401,7 @@
         </p:spPr>
         <p:txBody>
           <a:bodyPr>
-            <a:normAutofit fontScale="90000" lnSpcReduction="10000"/>
+            <a:normAutofit/>
           </a:bodyPr>
           <a:lstStyle/>
           <a:p>
@@ -9184,25 +9412,9 @@
             </a:pPr>
             <a:r>
               <a:rPr lang="en-US" altLang="zh-CN" sz="1800" smtClean="0"/>
-              <a:t>web3.eth.filter( </a:t>
-            </a:r>
-            <a:r>
-              <a:rPr lang="en-US" altLang="zh-CN" sz="1800" i="1" smtClean="0"/>
-              <a:t>filterOptions</a:t>
-            </a:r>
-            <a:r>
-              <a:rPr lang="en-US" altLang="zh-CN" sz="1800" smtClean="0"/>
-              <a:t> [ , </a:t>
-            </a:r>
-            <a:r>
-              <a:rPr lang="en-US" altLang="zh-CN" sz="1800" i="1" smtClean="0"/>
-              <a:t>callback</a:t>
-            </a:r>
-            <a:r>
-              <a:rPr lang="en-US" altLang="zh-CN" sz="1800" smtClean="0"/>
-              <a:t> ] )</a:t>
-            </a:r>
-            <a:endParaRPr lang="en-US" altLang="zh-CN" sz="1800"/>
+              <a:t>web3.eth.contract</a:t>
+            </a:r>
+            <a:endParaRPr lang="en-US" altLang="zh-CN" sz="1800" smtClean="0"/>
           </a:p>
           <a:p>
             <a:pPr marL="720090" indent="0">
@@ -9219,47 +9431,7 @@
                   </a:schemeClr>
                 </a:solidFill>
               </a:rPr>
-              <a:t>// </a:t>
-            </a:r>
-            <a:r>
-              <a:rPr lang="en-US" altLang="zh-CN" sz="1500" i="1" smtClean="0">
-                <a:solidFill>
-                  <a:schemeClr val="accent1">
-                    <a:lumMod val="75000"/>
-                  </a:schemeClr>
-                </a:solidFill>
-              </a:rPr>
-              <a:t>filterString </a:t>
-            </a:r>
-            <a:r>
-              <a:rPr lang="zh-CN" altLang="en-US" sz="1500" i="1" smtClean="0">
-                <a:solidFill>
-                  <a:schemeClr val="accent1">
-                    <a:lumMod val="75000"/>
-                  </a:schemeClr>
-                </a:solidFill>
-              </a:rPr>
-              <a:t>可以是</a:t>
-            </a:r>
-            <a:r>
-              <a:rPr lang="en-US" altLang="zh-CN" sz="1500" i="1" smtClean="0">
-                <a:solidFill>
-                  <a:schemeClr val="accent1">
-                    <a:lumMod val="75000"/>
-                  </a:schemeClr>
-                </a:solidFill>
-              </a:rPr>
-              <a:t> </a:t>
-            </a:r>
-            <a:r>
-              <a:rPr lang="en-US" altLang="zh-CN" sz="1500" i="1">
-                <a:solidFill>
-                  <a:schemeClr val="accent1">
-                    <a:lumMod val="75000"/>
-                  </a:schemeClr>
-                </a:solidFill>
-              </a:rPr>
-              <a:t>'latest' or 'pending' </a:t>
+              <a:t>var MyContract = web3.eth.contract(abiArray); </a:t>
             </a:r>
             <a:endParaRPr lang="en-US" altLang="zh-CN" sz="1500" i="1" smtClean="0">
               <a:solidFill>
@@ -9277,34 +9449,24 @@
               <a:buNone/>
             </a:pPr>
             <a:r>
-              <a:rPr lang="en-US" altLang="zh-CN" sz="1500" smtClean="0">
+              <a:rPr lang="en-US" altLang="zh-CN" sz="1500" i="1" smtClean="0">
                 <a:solidFill>
                   <a:schemeClr val="accent1">
                     <a:lumMod val="75000"/>
                   </a:schemeClr>
                 </a:solidFill>
               </a:rPr>
-              <a:t>var </a:t>
-            </a:r>
-            <a:r>
-              <a:rPr lang="en-US" altLang="zh-CN" sz="1500">
+              <a:t>// </a:t>
+            </a:r>
+            <a:r>
+              <a:rPr lang="zh-CN" altLang="en-US" sz="1500" i="1" smtClean="0">
                 <a:solidFill>
                   <a:schemeClr val="accent1">
                     <a:lumMod val="75000"/>
                   </a:schemeClr>
                 </a:solidFill>
               </a:rPr>
-              <a:t>filter = web3.eth.filter</a:t>
-            </a:r>
-            <a:r>
-              <a:rPr lang="en-US" altLang="zh-CN" sz="1500" i="1">
-                <a:solidFill>
-                  <a:schemeClr val="accent1">
-                    <a:lumMod val="75000"/>
-                  </a:schemeClr>
-                </a:solidFill>
-              </a:rPr>
-              <a:t>(filterString); </a:t>
+              <a:t>通过地址初始化合约实例</a:t>
             </a:r>
             <a:endParaRPr lang="en-US" altLang="zh-CN" sz="1500" i="1" smtClean="0">
               <a:solidFill>
@@ -9329,27 +9491,17 @@
                   </a:schemeClr>
                 </a:solidFill>
               </a:rPr>
-              <a:t>// </a:t>
-            </a:r>
-            <a:r>
-              <a:rPr lang="zh-CN" altLang="en-US" sz="1500" i="1" smtClean="0">
+              <a:t>var </a:t>
+            </a:r>
+            <a:r>
+              <a:rPr lang="en-US" altLang="zh-CN" sz="1500" i="1">
                 <a:solidFill>
                   <a:schemeClr val="accent1">
                     <a:lumMod val="75000"/>
                   </a:schemeClr>
                 </a:solidFill>
               </a:rPr>
-              <a:t>或者可以填入一个日志过滤 </a:t>
-            </a:r>
-            <a:r>
-              <a:rPr lang="en-US" altLang="zh-CN" sz="1500" i="1" smtClean="0">
-                <a:solidFill>
-                  <a:schemeClr val="accent1">
-                    <a:lumMod val="75000"/>
-                  </a:schemeClr>
-                </a:solidFill>
-              </a:rPr>
-              <a:t>options </a:t>
+              <a:t>contractInstance = MyContract.at(address); </a:t>
             </a:r>
             <a:endParaRPr lang="en-US" altLang="zh-CN" sz="1500" i="1" smtClean="0">
               <a:solidFill>
@@ -9367,34 +9519,24 @@
               <a:buNone/>
             </a:pPr>
             <a:r>
-              <a:rPr lang="en-US" altLang="zh-CN" sz="1500" smtClean="0">
+              <a:rPr lang="en-US" altLang="zh-CN" sz="1500" i="1" smtClean="0">
                 <a:solidFill>
                   <a:schemeClr val="accent1">
                     <a:lumMod val="75000"/>
                   </a:schemeClr>
                 </a:solidFill>
               </a:rPr>
-              <a:t>var </a:t>
-            </a:r>
-            <a:r>
-              <a:rPr lang="en-US" altLang="zh-CN" sz="1500">
+              <a:t>// </a:t>
+            </a:r>
+            <a:r>
+              <a:rPr lang="zh-CN" altLang="en-US" sz="1500" i="1" smtClean="0">
                 <a:solidFill>
                   <a:schemeClr val="accent1">
                     <a:lumMod val="75000"/>
                   </a:schemeClr>
                 </a:solidFill>
               </a:rPr>
-              <a:t>filter = web3.eth.filter</a:t>
-            </a:r>
-            <a:r>
-              <a:rPr lang="en-US" altLang="zh-CN" sz="1500" i="1">
-                <a:solidFill>
-                  <a:schemeClr val="accent1">
-                    <a:lumMod val="75000"/>
-                  </a:schemeClr>
-                </a:solidFill>
-              </a:rPr>
-              <a:t>(options); </a:t>
+              <a:t>或者部署一个新合约</a:t>
             </a:r>
             <a:endParaRPr lang="en-US" altLang="zh-CN" sz="1500" i="1" smtClean="0">
               <a:solidFill>
@@ -9419,17 +9561,17 @@
                   </a:schemeClr>
                 </a:solidFill>
               </a:rPr>
-              <a:t>// </a:t>
-            </a:r>
-            <a:r>
-              <a:rPr lang="zh-CN" altLang="en-US" sz="1500" i="1" smtClean="0">
+              <a:t>var </a:t>
+            </a:r>
+            <a:r>
+              <a:rPr lang="en-US" altLang="zh-CN" sz="1500" i="1">
                 <a:solidFill>
                   <a:schemeClr val="accent1">
                     <a:lumMod val="75000"/>
                   </a:schemeClr>
                 </a:solidFill>
               </a:rPr>
-              <a:t>监听日志变化</a:t>
+              <a:t>contractInstance = MyContract.new([constructorParam1] </a:t>
             </a:r>
             <a:endParaRPr lang="en-US" altLang="zh-CN" sz="1500" i="1" smtClean="0">
               <a:solidFill>
@@ -9447,186 +9589,66 @@
               <a:buNone/>
             </a:pPr>
             <a:r>
-              <a:rPr lang="en-US" altLang="zh-CN" sz="1500" smtClean="0">
+              <a:rPr lang="en-US" altLang="zh-CN" sz="1500" i="1">
                 <a:solidFill>
                   <a:schemeClr val="accent1">
                     <a:lumMod val="75000"/>
                   </a:schemeClr>
                 </a:solidFill>
               </a:rPr>
-              <a:t>filter.watch(function(error</a:t>
-            </a:r>
-            <a:r>
-              <a:rPr lang="en-US" altLang="zh-CN" sz="1500">
+              <a:t>	</a:t>
+            </a:r>
+            <a:r>
+              <a:rPr lang="en-US" altLang="zh-CN" sz="1500" i="1" smtClean="0">
                 <a:solidFill>
                   <a:schemeClr val="accent1">
                     <a:lumMod val="75000"/>
                   </a:schemeClr>
                 </a:solidFill>
               </a:rPr>
-              <a:t>, result){ </a:t>
-            </a:r>
-            <a:r>
-              <a:rPr lang="en-US" altLang="zh-CN" sz="1500" smtClean="0">
+              <a:t>	[, </a:t>
+            </a:r>
+            <a:r>
+              <a:rPr lang="en-US" altLang="zh-CN" sz="1500" i="1">
                 <a:solidFill>
                   <a:schemeClr val="accent1">
                     <a:lumMod val="75000"/>
                   </a:schemeClr>
                 </a:solidFill>
               </a:rPr>
-              <a:t>if </a:t>
-            </a:r>
-            <a:r>
-              <a:rPr lang="en-US" altLang="zh-CN" sz="1500">
+              <a:t>constructorParam2], {data: '0x12345...', from: myAccount, </a:t>
+            </a:r>
+            <a:r>
+              <a:rPr lang="en-US" altLang="zh-CN" sz="1500" i="1" smtClean="0">
                 <a:solidFill>
                   <a:schemeClr val="accent1">
                     <a:lumMod val="75000"/>
                   </a:schemeClr>
                 </a:solidFill>
               </a:rPr>
-              <a:t>(!error) console.log(result); }); </a:t>
-            </a:r>
-            <a:endParaRPr lang="en-US" altLang="zh-CN" sz="1500" smtClean="0">
-              <a:solidFill>
-                <a:schemeClr val="accent1">
-                  <a:lumMod val="75000"/>
-                </a:schemeClr>
-              </a:solidFill>
-            </a:endParaRPr>
-          </a:p>
-          <a:p>
-            <a:pPr marL="720090" indent="0">
-              <a:lnSpc>
-                <a:spcPct val="130000"/>
-              </a:lnSpc>
-              <a:buNone/>
-            </a:pPr>
-            <a:r>
-              <a:rPr lang="en-US" altLang="zh-CN" sz="1500" i="1" smtClean="0">
+              <a:t>			gas</a:t>
+            </a:r>
+            <a:r>
+              <a:rPr lang="en-US" altLang="zh-CN" sz="1500" i="1">
                 <a:solidFill>
                   <a:schemeClr val="accent1">
                     <a:lumMod val="75000"/>
                   </a:schemeClr>
                 </a:solidFill>
               </a:rPr>
-              <a:t>// </a:t>
-            </a:r>
-            <a:r>
-              <a:rPr lang="zh-CN" altLang="en-US" sz="1500" i="1" smtClean="0">
+              <a:t>: 1000000</a:t>
+            </a:r>
+            <a:r>
+              <a:rPr lang="en-US" altLang="zh-CN" sz="1500" i="1" smtClean="0">
                 <a:solidFill>
                   <a:schemeClr val="accent1">
                     <a:lumMod val="75000"/>
                   </a:schemeClr>
                 </a:solidFill>
               </a:rPr>
-              <a:t>还可以用传入回调函数的方法，立刻开始监听日志</a:t>
-            </a:r>
-            <a:endParaRPr lang="en-US" altLang="zh-CN" sz="1500" i="1" smtClean="0">
-              <a:solidFill>
-                <a:schemeClr val="accent1">
-                  <a:lumMod val="75000"/>
-                </a:schemeClr>
-              </a:solidFill>
-            </a:endParaRPr>
-          </a:p>
-          <a:p>
-            <a:pPr marL="720090" indent="0">
-              <a:lnSpc>
-                <a:spcPct val="130000"/>
-              </a:lnSpc>
-              <a:buNone/>
-            </a:pPr>
-            <a:r>
-              <a:rPr lang="en-US" altLang="zh-CN" sz="1500" smtClean="0">
-                <a:solidFill>
-                  <a:schemeClr val="accent1">
-                    <a:lumMod val="75000"/>
-                  </a:schemeClr>
-                </a:solidFill>
-              </a:rPr>
-              <a:t>web3.eth.filter(options</a:t>
-            </a:r>
-            <a:r>
-              <a:rPr lang="en-US" altLang="zh-CN" sz="1500">
-                <a:solidFill>
-                  <a:schemeClr val="accent1">
-                    <a:lumMod val="75000"/>
-                  </a:schemeClr>
-                </a:solidFill>
-              </a:rPr>
-              <a:t>, function(error, result){ </a:t>
-            </a:r>
-            <a:endParaRPr lang="en-US" altLang="zh-CN" sz="1500" smtClean="0">
-              <a:solidFill>
-                <a:schemeClr val="accent1">
-                  <a:lumMod val="75000"/>
-                </a:schemeClr>
-              </a:solidFill>
-            </a:endParaRPr>
-          </a:p>
-          <a:p>
-            <a:pPr marL="720090" indent="0">
-              <a:lnSpc>
-                <a:spcPct val="130000"/>
-              </a:lnSpc>
-              <a:buNone/>
-            </a:pPr>
-            <a:r>
-              <a:rPr lang="en-US" altLang="zh-CN" sz="1500">
-                <a:solidFill>
-                  <a:schemeClr val="accent1">
-                    <a:lumMod val="75000"/>
-                  </a:schemeClr>
-                </a:solidFill>
-              </a:rPr>
-              <a:t>	</a:t>
-            </a:r>
-            <a:r>
-              <a:rPr lang="en-US" altLang="zh-CN" sz="1500" smtClean="0">
-                <a:solidFill>
-                  <a:schemeClr val="accent1">
-                    <a:lumMod val="75000"/>
-                  </a:schemeClr>
-                </a:solidFill>
-              </a:rPr>
-              <a:t>if </a:t>
-            </a:r>
-            <a:r>
-              <a:rPr lang="en-US" altLang="zh-CN" sz="1500">
-                <a:solidFill>
-                  <a:schemeClr val="accent1">
-                    <a:lumMod val="75000"/>
-                  </a:schemeClr>
-                </a:solidFill>
-              </a:rPr>
-              <a:t>(!error) console.log(result); </a:t>
-            </a:r>
-            <a:endParaRPr lang="en-US" altLang="zh-CN" sz="1500" smtClean="0">
-              <a:solidFill>
-                <a:schemeClr val="accent1">
-                  <a:lumMod val="75000"/>
-                </a:schemeClr>
-              </a:solidFill>
-            </a:endParaRPr>
-          </a:p>
-          <a:p>
-            <a:pPr marL="720090" indent="0">
-              <a:lnSpc>
-                <a:spcPct val="130000"/>
-              </a:lnSpc>
-              <a:buNone/>
-            </a:pPr>
-            <a:r>
-              <a:rPr lang="en-US" altLang="zh-CN" sz="1500" smtClean="0">
-                <a:solidFill>
-                  <a:schemeClr val="accent1">
-                    <a:lumMod val="75000"/>
-                  </a:schemeClr>
-                </a:solidFill>
-              </a:rPr>
               <a:t>});</a:t>
             </a:r>
-            <a:endParaRPr lang="en-US" altLang="zh-CN" sz="1500">
+            <a:endParaRPr lang="en-US" altLang="zh-CN" sz="1500" i="1">
               <a:solidFill>
                 <a:schemeClr val="accent1">
                   <a:lumMod val="75000"/>
@@ -9705,7 +9727,7 @@
         </p:nvSpPr>
         <p:spPr>
           <a:xfrm>
-            <a:off x="1485900" y="364350"/>
+            <a:off x="1485900" y="310344"/>
             <a:ext cx="6172200" cy="857250"/>
           </a:xfrm>
         </p:spPr>
@@ -9724,25 +9746,18 @@
               <a:t>  </a:t>
             </a:r>
             <a:r>
+              <a:rPr lang="zh-CN" altLang="en-US" sz="2700">
+                <a:latin typeface="微软雅黑 Light" panose="020B0502040204020203" pitchFamily="34" charset="-122"/>
+                <a:ea typeface="微软雅黑 Light" panose="020B0502040204020203" pitchFamily="34" charset="-122"/>
+              </a:rPr>
+              <a:t>调用</a:t>
+            </a:r>
+            <a:r>
               <a:rPr lang="zh-CN" altLang="en-US" sz="2700" smtClean="0">
                 <a:latin typeface="微软雅黑 Light" panose="020B0502040204020203" pitchFamily="34" charset="-122"/>
                 <a:ea typeface="微软雅黑 Light" panose="020B0502040204020203" pitchFamily="34" charset="-122"/>
               </a:rPr>
-              <a:t>合约相关 </a:t>
-            </a:r>
-            <a:r>
-              <a:rPr lang="en-US" altLang="zh-CN" sz="2700" smtClean="0">
-                <a:latin typeface="微软雅黑 Light" panose="020B0502040204020203" pitchFamily="34" charset="-122"/>
-                <a:ea typeface="微软雅黑 Light" panose="020B0502040204020203" pitchFamily="34" charset="-122"/>
-              </a:rPr>
-              <a:t>—— </a:t>
-            </a:r>
-            <a:r>
-              <a:rPr lang="zh-CN" altLang="en-US" sz="2700" smtClean="0">
-                <a:latin typeface="微软雅黑 Light" panose="020B0502040204020203" pitchFamily="34" charset="-122"/>
-                <a:ea typeface="微软雅黑 Light" panose="020B0502040204020203" pitchFamily="34" charset="-122"/>
-              </a:rPr>
-              <a:t>创建合约</a:t>
+              <a:t>合约函数</a:t>
             </a:r>
             <a:endParaRPr lang="zh-CN" altLang="en-US" sz="2700" dirty="0">
               <a:latin typeface="微软雅黑 Light" panose="020B0502040204020203" pitchFamily="34" charset="-122"/>
@@ -9769,7 +9784,7 @@
         </p:spPr>
         <p:txBody>
           <a:bodyPr>
-            <a:normAutofit/>
+            <a:normAutofit fontScale="72500"/>
           </a:bodyPr>
           <a:lstStyle/>
           <a:p>
@@ -9779,29 +9794,69 @@
               </a:lnSpc>
             </a:pPr>
             <a:r>
-              <a:rPr lang="en-US" altLang="zh-CN" sz="1800" smtClean="0"/>
-              <a:t>web3.eth.contract</a:t>
+              <a:rPr lang="zh-CN" altLang="en-US" sz="1800" smtClean="0"/>
+              <a:t>可以通过已创建的合约实例，直接调用合约函数</a:t>
             </a:r>
             <a:endParaRPr lang="en-US" altLang="zh-CN" sz="1800" smtClean="0"/>
           </a:p>
           <a:p>
             <a:pPr marL="720090" indent="0">
               <a:lnSpc>
-                <a:spcPct val="130000"/>
+                <a:spcPct val="150000"/>
               </a:lnSpc>
               <a:buNone/>
             </a:pPr>
             <a:r>
-              <a:rPr lang="en-US" altLang="zh-CN" sz="1500" i="1">
+              <a:rPr lang="en-US" altLang="zh-CN" sz="1800" i="1">
                 <a:solidFill>
                   <a:schemeClr val="accent1">
                     <a:lumMod val="75000"/>
                   </a:schemeClr>
                 </a:solidFill>
               </a:rPr>
-              <a:t>var MyContract = web3.eth.contract(abiArray); </a:t>
-            </a:r>
-            <a:endParaRPr lang="en-US" altLang="zh-CN" sz="1500" i="1" smtClean="0">
+              <a:t>// </a:t>
+            </a:r>
+            <a:r>
+              <a:rPr lang="zh-CN" altLang="en-US" sz="1800" i="1" smtClean="0">
+                <a:solidFill>
+                  <a:schemeClr val="accent1">
+                    <a:lumMod val="75000"/>
+                  </a:schemeClr>
+                </a:solidFill>
+              </a:rPr>
+              <a:t>直接调用，自动按函数类型决定用 </a:t>
+            </a:r>
+            <a:r>
+              <a:rPr lang="en-US" altLang="zh-CN" sz="1800" i="1" smtClean="0">
+                <a:solidFill>
+                  <a:schemeClr val="accent1">
+                    <a:lumMod val="75000"/>
+                  </a:schemeClr>
+                </a:solidFill>
+              </a:rPr>
+              <a:t>sendTransaction </a:t>
+            </a:r>
+            <a:r>
+              <a:rPr lang="zh-CN" altLang="en-US" sz="1800" i="1" smtClean="0">
+                <a:solidFill>
+                  <a:schemeClr val="accent1">
+                    <a:lumMod val="75000"/>
+                  </a:schemeClr>
+                </a:solidFill>
+              </a:rPr>
+              <a:t>还是 </a:t>
+            </a:r>
+            <a:r>
+              <a:rPr lang="en-US" altLang="zh-CN" sz="1800" i="1" smtClean="0">
+                <a:solidFill>
+                  <a:schemeClr val="accent1">
+                    <a:lumMod val="75000"/>
+                  </a:schemeClr>
+                </a:solidFill>
+              </a:rPr>
+              <a:t>call</a:t>
+            </a:r>
+            <a:endParaRPr lang="en-US" altLang="zh-CN" sz="1800" i="1" smtClean="0">
               <a:solidFill>
                 <a:schemeClr val="accent1">
                   <a:lumMod val="75000"/>
@@ -9812,31 +9867,61 @@
           <a:p>
             <a:pPr marL="720090" indent="0">
               <a:lnSpc>
-                <a:spcPct val="130000"/>
+                <a:spcPct val="150000"/>
               </a:lnSpc>
               <a:buNone/>
             </a:pPr>
             <a:r>
-              <a:rPr lang="en-US" altLang="zh-CN" sz="1500" i="1" smtClean="0">
+              <a:rPr lang="en-US" altLang="zh-CN" sz="1800" smtClean="0">
                 <a:solidFill>
                   <a:schemeClr val="accent1">
                     <a:lumMod val="75000"/>
                   </a:schemeClr>
                 </a:solidFill>
               </a:rPr>
-              <a:t>// </a:t>
-            </a:r>
-            <a:r>
-              <a:rPr lang="zh-CN" altLang="en-US" sz="1500" i="1" smtClean="0">
+              <a:t>myContractInstance.myMethod(</a:t>
+            </a:r>
+            <a:r>
+              <a:rPr lang="en-US" altLang="zh-CN" sz="1800" i="1" smtClean="0">
                 <a:solidFill>
                   <a:schemeClr val="accent1">
                     <a:lumMod val="75000"/>
                   </a:schemeClr>
                 </a:solidFill>
               </a:rPr>
-              <a:t>通过地址初始化合约实例</a:t>
-            </a:r>
-            <a:endParaRPr lang="en-US" altLang="zh-CN" sz="1500" i="1" smtClean="0">
+              <a:t>param1 </a:t>
+            </a:r>
+            <a:r>
+              <a:rPr lang="en-US" altLang="zh-CN" sz="1800" i="1">
+                <a:solidFill>
+                  <a:schemeClr val="accent1">
+                    <a:lumMod val="75000"/>
+                  </a:schemeClr>
+                </a:solidFill>
+              </a:rPr>
+              <a:t>[, param2, ...] [, </a:t>
+            </a:r>
+            <a:r>
+              <a:rPr lang="en-US" altLang="zh-CN" sz="1800" i="1" smtClean="0">
+                <a:solidFill>
+                  <a:schemeClr val="accent1">
+                    <a:lumMod val="75000"/>
+                  </a:schemeClr>
+                </a:solidFill>
+              </a:rPr>
+              <a:t>			transactionObject</a:t>
+            </a:r>
+            <a:r>
+              <a:rPr lang="en-US" altLang="zh-CN" sz="1800" i="1">
+                <a:solidFill>
+                  <a:schemeClr val="accent1">
+                    <a:lumMod val="75000"/>
+                  </a:schemeClr>
+                </a:solidFill>
+              </a:rPr>
+              <a:t>] [, defaultBlock] [, callback]); </a:t>
+            </a:r>
+            <a:endParaRPr lang="en-US" altLang="zh-CN" sz="1800" i="1" smtClean="0">
               <a:solidFill>
                 <a:schemeClr val="accent1">
                   <a:lumMod val="75000"/>
@@ -9847,31 +9932,51 @@
           <a:p>
             <a:pPr marL="720090" indent="0">
               <a:lnSpc>
-                <a:spcPct val="130000"/>
+                <a:spcPct val="150000"/>
               </a:lnSpc>
               <a:buNone/>
             </a:pPr>
             <a:r>
-              <a:rPr lang="en-US" altLang="zh-CN" sz="1500" i="1" smtClean="0">
+              <a:rPr lang="en-US" altLang="zh-CN" sz="1800" i="1" smtClean="0">
                 <a:solidFill>
                   <a:schemeClr val="accent1">
                     <a:lumMod val="75000"/>
                   </a:schemeClr>
                 </a:solidFill>
               </a:rPr>
-              <a:t>var </a:t>
-            </a:r>
-            <a:r>
-              <a:rPr lang="en-US" altLang="zh-CN" sz="1500" i="1">
+              <a:t>// </a:t>
+            </a:r>
+            <a:r>
+              <a:rPr lang="zh-CN" altLang="en-US" sz="1800" i="1" smtClean="0">
                 <a:solidFill>
                   <a:schemeClr val="accent1">
                     <a:lumMod val="75000"/>
                   </a:schemeClr>
                 </a:solidFill>
               </a:rPr>
-              <a:t>contractInstance = MyContract.at(address); </a:t>
-            </a:r>
-            <a:endParaRPr lang="en-US" altLang="zh-CN" sz="1500" i="1" smtClean="0">
+              <a:t>显式以消息调用形式 </a:t>
+            </a:r>
+            <a:r>
+              <a:rPr lang="en-US" altLang="zh-CN" sz="1800" i="1" smtClean="0">
+                <a:solidFill>
+                  <a:schemeClr val="accent1">
+                    <a:lumMod val="75000"/>
+                  </a:schemeClr>
+                </a:solidFill>
+              </a:rPr>
+              <a:t>call </a:t>
+            </a:r>
+            <a:r>
+              <a:rPr lang="zh-CN" altLang="en-US" sz="1800" i="1" smtClean="0">
+                <a:solidFill>
+                  <a:schemeClr val="accent1">
+                    <a:lumMod val="75000"/>
+                  </a:schemeClr>
+                </a:solidFill>
+              </a:rPr>
+              <a:t>该函数</a:t>
+            </a:r>
+            <a:endParaRPr lang="en-US" altLang="zh-CN" sz="1800" i="1" smtClean="0">
               <a:solidFill>
                 <a:schemeClr val="accent1">
                   <a:lumMod val="75000"/>
@@ -9882,31 +9987,61 @@
           <a:p>
             <a:pPr marL="720090" indent="0">
               <a:lnSpc>
-                <a:spcPct val="130000"/>
+                <a:spcPct val="150000"/>
               </a:lnSpc>
               <a:buNone/>
             </a:pPr>
             <a:r>
-              <a:rPr lang="en-US" altLang="zh-CN" sz="1500" i="1" smtClean="0">
+              <a:rPr lang="en-US" altLang="zh-CN" sz="1800" smtClean="0">
                 <a:solidFill>
                   <a:schemeClr val="accent1">
                     <a:lumMod val="75000"/>
                   </a:schemeClr>
                 </a:solidFill>
               </a:rPr>
-              <a:t>// </a:t>
-            </a:r>
-            <a:r>
-              <a:rPr lang="zh-CN" altLang="en-US" sz="1500" i="1" smtClean="0">
+              <a:t>myContractInstance.myMethod.call</a:t>
+            </a:r>
+            <a:r>
+              <a:rPr lang="en-US" altLang="zh-CN" sz="1800" i="1" smtClean="0">
                 <a:solidFill>
                   <a:schemeClr val="accent1">
                     <a:lumMod val="75000"/>
                   </a:schemeClr>
                 </a:solidFill>
               </a:rPr>
-              <a:t>或者部署一个新合约</a:t>
-            </a:r>
-            <a:endParaRPr lang="en-US" altLang="zh-CN" sz="1500" i="1" smtClean="0">
+              <a:t>(param1 </a:t>
+            </a:r>
+            <a:r>
+              <a:rPr lang="en-US" altLang="zh-CN" sz="1800" i="1">
+                <a:solidFill>
+                  <a:schemeClr val="accent1">
+                    <a:lumMod val="75000"/>
+                  </a:schemeClr>
+                </a:solidFill>
+              </a:rPr>
+              <a:t>[, param2, ...] [, </a:t>
+            </a:r>
+            <a:r>
+              <a:rPr lang="en-US" altLang="zh-CN" sz="1800" i="1" smtClean="0">
+                <a:solidFill>
+                  <a:schemeClr val="accent1">
+                    <a:lumMod val="75000"/>
+                  </a:schemeClr>
+                </a:solidFill>
+              </a:rPr>
+              <a:t>		transactionObject</a:t>
+            </a:r>
+            <a:r>
+              <a:rPr lang="en-US" altLang="zh-CN" sz="1800" i="1">
+                <a:solidFill>
+                  <a:schemeClr val="accent1">
+                    <a:lumMod val="75000"/>
+                  </a:schemeClr>
+                </a:solidFill>
+              </a:rPr>
+              <a:t>] [, defaultBlock] [, callback]); </a:t>
+            </a:r>
+            <a:endParaRPr lang="en-US" altLang="zh-CN" sz="1800" i="1" smtClean="0">
               <a:solidFill>
                 <a:schemeClr val="accent1">
                   <a:lumMod val="75000"/>
@@ -9917,31 +10052,41 @@
           <a:p>
             <a:pPr marL="720090" indent="0">
               <a:lnSpc>
-                <a:spcPct val="130000"/>
+                <a:spcPct val="150000"/>
               </a:lnSpc>
               <a:buNone/>
             </a:pPr>
             <a:r>
-              <a:rPr lang="en-US" altLang="zh-CN" sz="1500" i="1" smtClean="0">
+              <a:rPr lang="en-US" altLang="zh-CN" sz="1800" i="1" smtClean="0">
                 <a:solidFill>
                   <a:schemeClr val="accent1">
                     <a:lumMod val="75000"/>
                   </a:schemeClr>
                 </a:solidFill>
               </a:rPr>
-              <a:t>var </a:t>
-            </a:r>
-            <a:r>
-              <a:rPr lang="en-US" altLang="zh-CN" sz="1500" i="1">
+              <a:t>// </a:t>
+            </a:r>
+            <a:r>
+              <a:rPr lang="zh-CN" altLang="en-US" sz="1800" i="1" smtClean="0">
                 <a:solidFill>
                   <a:schemeClr val="accent1">
                     <a:lumMod val="75000"/>
                   </a:schemeClr>
                 </a:solidFill>
               </a:rPr>
-              <a:t>contractInstance = MyContract.new([constructorParam1] </a:t>
-            </a:r>
-            <a:endParaRPr lang="en-US" altLang="zh-CN" sz="1500" i="1" smtClean="0">
+              <a:t>显式以发送交易形式调用该函数</a:t>
+            </a:r>
+            <a:r>
+              <a:rPr lang="en-US" altLang="zh-CN" sz="1800" i="1" smtClean="0">
+                <a:solidFill>
+                  <a:schemeClr val="accent1">
+                    <a:lumMod val="75000"/>
+                  </a:schemeClr>
+                </a:solidFill>
+              </a:rPr>
+              <a:t> </a:t>
+            </a:r>
+            <a:endParaRPr lang="en-US" altLang="zh-CN" sz="1800" i="1" smtClean="0">
               <a:solidFill>
                 <a:schemeClr val="accent1">
                   <a:lumMod val="75000"/>
@@ -9952,71 +10097,61 @@
           <a:p>
             <a:pPr marL="720090" indent="0">
               <a:lnSpc>
-                <a:spcPct val="130000"/>
+                <a:spcPct val="150000"/>
               </a:lnSpc>
               <a:buNone/>
             </a:pPr>
             <a:r>
-              <a:rPr lang="en-US" altLang="zh-CN" sz="1500" i="1">
+              <a:rPr lang="en-US" altLang="zh-CN" sz="1800" smtClean="0">
                 <a:solidFill>
                   <a:schemeClr val="accent1">
                     <a:lumMod val="75000"/>
                   </a:schemeClr>
                 </a:solidFill>
               </a:rPr>
-              <a:t>	</a:t>
-            </a:r>
-            <a:r>
-              <a:rPr lang="en-US" altLang="zh-CN" sz="1500" i="1" smtClean="0">
+              <a:t>myContractInstance.myMethod.sendTransaction(</a:t>
+            </a:r>
+            <a:r>
+              <a:rPr lang="en-US" altLang="zh-CN" sz="1800" i="1" smtClean="0">
                 <a:solidFill>
                   <a:schemeClr val="accent1">
                     <a:lumMod val="75000"/>
                   </a:schemeClr>
                 </a:solidFill>
               </a:rPr>
-              <a:t>	[, </a:t>
-            </a:r>
-            <a:r>
-              <a:rPr lang="en-US" altLang="zh-CN" sz="1500" i="1">
+              <a:t>param1 </a:t>
+            </a:r>
+            <a:r>
+              <a:rPr lang="en-US" altLang="zh-CN" sz="1800" i="1">
                 <a:solidFill>
                   <a:schemeClr val="accent1">
                     <a:lumMod val="75000"/>
                   </a:schemeClr>
                 </a:solidFill>
               </a:rPr>
-              <a:t>constructorParam2], {data: '0x12345...', from: myAccount, </a:t>
-            </a:r>
-            <a:r>
-              <a:rPr lang="en-US" altLang="zh-CN" sz="1500" i="1" smtClean="0">
+              <a:t>[, </a:t>
+            </a:r>
+            <a:r>
+              <a:rPr lang="en-US" altLang="zh-CN" sz="1800" i="1" smtClean="0">
                 <a:solidFill>
                   <a:schemeClr val="accent1">
                     <a:lumMod val="75000"/>
                   </a:schemeClr>
                 </a:solidFill>
               </a:rPr>
-              <a:t>			gas</a:t>
-            </a:r>
-            <a:r>
-              <a:rPr lang="en-US" altLang="zh-CN" sz="1500" i="1">
+              <a:t>		param2</a:t>
+            </a:r>
+            <a:r>
+              <a:rPr lang="en-US" altLang="zh-CN" sz="1800" i="1">
                 <a:solidFill>
                   <a:schemeClr val="accent1">
                     <a:lumMod val="75000"/>
                   </a:schemeClr>
                 </a:solidFill>
               </a:rPr>
-              <a:t>: 1000000</a:t>
-            </a:r>
-            <a:r>
-              <a:rPr lang="en-US" altLang="zh-CN" sz="1500" i="1" smtClean="0">
-                <a:solidFill>
-                  <a:schemeClr val="accent1">
-                    <a:lumMod val="75000"/>
-                  </a:schemeClr>
-                </a:solidFill>
-              </a:rPr>
-              <a:t>});</a:t>
-            </a:r>
-            <a:endParaRPr lang="en-US" altLang="zh-CN" sz="1500" i="1">
+              <a:t>, ...] [, transactionObject] [, callback]); </a:t>
+            </a:r>
+            <a:endParaRPr lang="en-US" altLang="zh-CN" sz="1800" i="1" smtClean="0">
               <a:solidFill>
                 <a:schemeClr val="accent1">
                   <a:lumMod val="75000"/>
@@ -10118,14 +10253,14 @@
                 <a:latin typeface="微软雅黑 Light" panose="020B0502040204020203" pitchFamily="34" charset="-122"/>
                 <a:ea typeface="微软雅黑 Light" panose="020B0502040204020203" pitchFamily="34" charset="-122"/>
               </a:rPr>
-              <a:t>调用</a:t>
+              <a:t>监听</a:t>
             </a:r>
             <a:r>
               <a:rPr lang="zh-CN" altLang="en-US" sz="2700" smtClean="0">
                 <a:latin typeface="微软雅黑 Light" panose="020B0502040204020203" pitchFamily="34" charset="-122"/>
                 <a:ea typeface="微软雅黑 Light" panose="020B0502040204020203" pitchFamily="34" charset="-122"/>
               </a:rPr>
-              <a:t>合约函数</a:t>
+              <a:t>合约事件</a:t>
             </a:r>
             <a:endParaRPr lang="zh-CN" altLang="en-US" sz="2700" dirty="0">
               <a:latin typeface="微软雅黑 Light" panose="020B0502040204020203" pitchFamily="34" charset="-122"/>
@@ -10163,68 +10298,44 @@
             </a:pPr>
             <a:r>
               <a:rPr lang="zh-CN" altLang="en-US" sz="1800" smtClean="0"/>
-              <a:t>可以通过已创建的合约实例，直接调用合约函数</a:t>
+              <a:t>合约的 </a:t>
+            </a:r>
+            <a:r>
+              <a:rPr lang="en-US" altLang="zh-CN" sz="1800" smtClean="0"/>
+              <a:t>event </a:t>
+            </a:r>
+            <a:r>
+              <a:rPr lang="zh-CN" altLang="en-US" sz="1800" smtClean="0"/>
+              <a:t>类似于 </a:t>
+            </a:r>
+            <a:r>
+              <a:rPr lang="en-US" altLang="zh-CN" sz="1800" smtClean="0"/>
+              <a:t>filter</a:t>
+            </a:r>
+            <a:r>
+              <a:rPr lang="zh-CN" altLang="en-US" sz="1800" smtClean="0"/>
+              <a:t>，可以设置过滤选项来监听</a:t>
             </a:r>
             <a:endParaRPr lang="en-US" altLang="zh-CN" sz="1800" smtClean="0"/>
           </a:p>
           <a:p>
             <a:pPr marL="720090" indent="0">
               <a:lnSpc>
-                <a:spcPct val="150000"/>
+                <a:spcPct val="140000"/>
               </a:lnSpc>
               <a:buNone/>
             </a:pPr>
             <a:r>
-              <a:rPr lang="en-US" altLang="zh-CN" sz="1800" i="1">
+              <a:rPr lang="en-US" altLang="zh-CN" sz="1650" i="1">
                 <a:solidFill>
                   <a:schemeClr val="accent1">
                     <a:lumMod val="75000"/>
                   </a:schemeClr>
                 </a:solidFill>
               </a:rPr>
-              <a:t>// </a:t>
-            </a:r>
-            <a:r>
-              <a:rPr lang="zh-CN" altLang="en-US" sz="1800" i="1" smtClean="0">
-                <a:solidFill>
-                  <a:schemeClr val="accent1">
-                    <a:lumMod val="75000"/>
-                  </a:schemeClr>
-                </a:solidFill>
-              </a:rPr>
-              <a:t>直接调用，自动按函数类型决定用 </a:t>
-            </a:r>
-            <a:r>
-              <a:rPr lang="en-US" altLang="zh-CN" sz="1800" i="1" smtClean="0">
-                <a:solidFill>
-                  <a:schemeClr val="accent1">
-                    <a:lumMod val="75000"/>
-                  </a:schemeClr>
-                </a:solidFill>
-              </a:rPr>
-              <a:t>sendTransaction </a:t>
-            </a:r>
-            <a:r>
-              <a:rPr lang="zh-CN" altLang="en-US" sz="1800" i="1" smtClean="0">
-                <a:solidFill>
-                  <a:schemeClr val="accent1">
-                    <a:lumMod val="75000"/>
-                  </a:schemeClr>
-                </a:solidFill>
-              </a:rPr>
-              <a:t>还是 </a:t>
-            </a:r>
-            <a:r>
-              <a:rPr lang="en-US" altLang="zh-CN" sz="1800" i="1" smtClean="0">
-                <a:solidFill>
-                  <a:schemeClr val="accent1">
-                    <a:lumMod val="75000"/>
-                  </a:schemeClr>
-                </a:solidFill>
-              </a:rPr>
-              <a:t>call</a:t>
-            </a:r>
-            <a:endParaRPr lang="en-US" altLang="zh-CN" sz="1800" i="1" smtClean="0">
+              <a:t>var event = myContractInstance.MyEvent({valueA: 23} </a:t>
+            </a:r>
+            <a:endParaRPr lang="en-US" altLang="zh-CN" sz="1650" i="1" smtClean="0">
               <a:solidFill>
                 <a:schemeClr val="accent1">
                   <a:lumMod val="75000"/>
@@ -10235,61 +10346,31 @@
           <a:p>
             <a:pPr marL="720090" indent="0">
               <a:lnSpc>
-                <a:spcPct val="150000"/>
+                <a:spcPct val="140000"/>
               </a:lnSpc>
               <a:buNone/>
             </a:pPr>
             <a:r>
-              <a:rPr lang="en-US" altLang="zh-CN" sz="1800" smtClean="0">
+              <a:rPr lang="en-US" altLang="zh-CN" sz="1650" i="1" smtClean="0">
                 <a:solidFill>
                   <a:schemeClr val="accent1">
                     <a:lumMod val="75000"/>
                   </a:schemeClr>
                 </a:solidFill>
               </a:rPr>
-              <a:t>myContractInstance.myMethod(</a:t>
-            </a:r>
-            <a:r>
-              <a:rPr lang="en-US" altLang="zh-CN" sz="1800" i="1" smtClean="0">
+              <a:t>		[, additionalFilterObject</a:t>
+            </a:r>
+            <a:r>
+              <a:rPr lang="en-US" altLang="zh-CN" sz="1650" i="1">
                 <a:solidFill>
                   <a:schemeClr val="accent1">
                     <a:lumMod val="75000"/>
                   </a:schemeClr>
                 </a:solidFill>
               </a:rPr>
-              <a:t>param1 </a:t>
-            </a:r>
-            <a:r>
-              <a:rPr lang="en-US" altLang="zh-CN" sz="1800" i="1">
-                <a:solidFill>
-                  <a:schemeClr val="accent1">
-                    <a:lumMod val="75000"/>
-                  </a:schemeClr>
-                </a:solidFill>
-              </a:rPr>
-              <a:t>[, param2, ...] [, </a:t>
-            </a:r>
-            <a:r>
-              <a:rPr lang="en-US" altLang="zh-CN" sz="1800" i="1" smtClean="0">
-                <a:solidFill>
-                  <a:schemeClr val="accent1">
-                    <a:lumMod val="75000"/>
-                  </a:schemeClr>
-                </a:solidFill>
-              </a:rPr>
-              <a:t>			transactionObject</a:t>
-            </a:r>
-            <a:r>
-              <a:rPr lang="en-US" altLang="zh-CN" sz="1800" i="1">
-                <a:solidFill>
-                  <a:schemeClr val="accent1">
-                    <a:lumMod val="75000"/>
-                  </a:schemeClr>
-                </a:solidFill>
-              </a:rPr>
-              <a:t>] [, defaultBlock] [, callback]); </a:t>
-            </a:r>
-            <a:endParaRPr lang="en-US" altLang="zh-CN" sz="1800" i="1" smtClean="0">
+              <a:t>]) </a:t>
+            </a:r>
+            <a:endParaRPr lang="en-US" altLang="zh-CN" sz="1650" i="1" smtClean="0">
               <a:solidFill>
                 <a:schemeClr val="accent1">
                   <a:lumMod val="75000"/>
@@ -10300,12 +10381,12 @@
           <a:p>
             <a:pPr marL="720090" indent="0">
               <a:lnSpc>
-                <a:spcPct val="150000"/>
+                <a:spcPct val="140000"/>
               </a:lnSpc>
               <a:buNone/>
             </a:pPr>
             <a:r>
-              <a:rPr lang="en-US" altLang="zh-CN" sz="1800" i="1" smtClean="0">
+              <a:rPr lang="en-US" altLang="zh-CN" sz="1650" i="1" smtClean="0">
                 <a:solidFill>
                   <a:schemeClr val="accent1">
                     <a:lumMod val="75000"/>
@@ -10315,36 +10396,16 @@
               <a:t>// </a:t>
             </a:r>
             <a:r>
-              <a:rPr lang="zh-CN" altLang="en-US" sz="1800" i="1" smtClean="0">
+              <a:rPr lang="zh-CN" altLang="en-US" sz="1650" i="1" smtClean="0">
                 <a:solidFill>
                   <a:schemeClr val="accent1">
                     <a:lumMod val="75000"/>
                   </a:schemeClr>
                 </a:solidFill>
               </a:rPr>
-              <a:t>显式以消息调用形式 </a:t>
-            </a:r>
-            <a:r>
-              <a:rPr lang="en-US" altLang="zh-CN" sz="1800" i="1" smtClean="0">
-                <a:solidFill>
-                  <a:schemeClr val="accent1">
-                    <a:lumMod val="75000"/>
-                  </a:schemeClr>
-                </a:solidFill>
-              </a:rPr>
-              <a:t>call </a:t>
-            </a:r>
-            <a:r>
-              <a:rPr lang="zh-CN" altLang="en-US" sz="1800" i="1" smtClean="0">
-                <a:solidFill>
-                  <a:schemeClr val="accent1">
-                    <a:lumMod val="75000"/>
-                  </a:schemeClr>
-                </a:solidFill>
-              </a:rPr>
-              <a:t>该函数</a:t>
-            </a:r>
-            <a:endParaRPr lang="en-US" altLang="zh-CN" sz="1800" i="1" smtClean="0">
+              <a:t>监听事件</a:t>
+            </a:r>
+            <a:endParaRPr lang="en-US" altLang="zh-CN" sz="1650" i="1" smtClean="0">
               <a:solidFill>
                 <a:schemeClr val="accent1">
                   <a:lumMod val="75000"/>
@@ -10355,61 +10416,31 @@
           <a:p>
             <a:pPr marL="720090" indent="0">
               <a:lnSpc>
-                <a:spcPct val="150000"/>
+                <a:spcPct val="140000"/>
               </a:lnSpc>
               <a:buNone/>
             </a:pPr>
             <a:r>
-              <a:rPr lang="en-US" altLang="zh-CN" sz="1800" smtClean="0">
+              <a:rPr lang="en-US" altLang="zh-CN" sz="1650" i="1" smtClean="0">
                 <a:solidFill>
                   <a:schemeClr val="accent1">
                     <a:lumMod val="75000"/>
                   </a:schemeClr>
                 </a:solidFill>
               </a:rPr>
-              <a:t>myContractInstance.myMethod.call</a:t>
-            </a:r>
-            <a:r>
-              <a:rPr lang="en-US" altLang="zh-CN" sz="1800" i="1" smtClean="0">
+              <a:t>event.watch(function(error</a:t>
+            </a:r>
+            <a:r>
+              <a:rPr lang="en-US" altLang="zh-CN" sz="1650" i="1">
                 <a:solidFill>
                   <a:schemeClr val="accent1">
                     <a:lumMod val="75000"/>
                   </a:schemeClr>
                 </a:solidFill>
               </a:rPr>
-              <a:t>(param1 </a:t>
-            </a:r>
-            <a:r>
-              <a:rPr lang="en-US" altLang="zh-CN" sz="1800" i="1">
-                <a:solidFill>
-                  <a:schemeClr val="accent1">
-                    <a:lumMod val="75000"/>
-                  </a:schemeClr>
-                </a:solidFill>
-              </a:rPr>
-              <a:t>[, param2, ...] [, </a:t>
-            </a:r>
-            <a:r>
-              <a:rPr lang="en-US" altLang="zh-CN" sz="1800" i="1" smtClean="0">
-                <a:solidFill>
-                  <a:schemeClr val="accent1">
-                    <a:lumMod val="75000"/>
-                  </a:schemeClr>
-                </a:solidFill>
-              </a:rPr>
-              <a:t>		transactionObject</a:t>
-            </a:r>
-            <a:r>
-              <a:rPr lang="en-US" altLang="zh-CN" sz="1800" i="1">
-                <a:solidFill>
-                  <a:schemeClr val="accent1">
-                    <a:lumMod val="75000"/>
-                  </a:schemeClr>
-                </a:solidFill>
-              </a:rPr>
-              <a:t>] [, defaultBlock] [, callback]); </a:t>
-            </a:r>
-            <a:endParaRPr lang="en-US" altLang="zh-CN" sz="1800" i="1" smtClean="0">
+              <a:t>, result){ if (!error) console.log(result); }); </a:t>
+            </a:r>
+            <a:endParaRPr lang="en-US" altLang="zh-CN" sz="1650" i="1" smtClean="0">
               <a:solidFill>
                 <a:schemeClr val="accent1">
                   <a:lumMod val="75000"/>
@@ -10420,41 +10451,51 @@
           <a:p>
             <a:pPr marL="720090" indent="0">
               <a:lnSpc>
-                <a:spcPct val="150000"/>
+                <a:spcPct val="140000"/>
               </a:lnSpc>
               <a:buNone/>
             </a:pPr>
             <a:r>
-              <a:rPr lang="en-US" altLang="zh-CN" sz="1800" i="1" smtClean="0">
+              <a:rPr lang="en-US" altLang="zh-CN" sz="1650" i="1">
                 <a:solidFill>
                   <a:schemeClr val="accent1">
                     <a:lumMod val="75000"/>
                   </a:schemeClr>
                 </a:solidFill>
               </a:rPr>
-              <a:t>// </a:t>
-            </a:r>
-            <a:r>
-              <a:rPr lang="zh-CN" altLang="en-US" sz="1800" i="1" smtClean="0">
+              <a:t>//</a:t>
+            </a:r>
+            <a:r>
+              <a:rPr lang="zh-CN" altLang="en-US" sz="1650" i="1">
                 <a:solidFill>
                   <a:schemeClr val="accent1">
                     <a:lumMod val="75000"/>
                   </a:schemeClr>
                 </a:solidFill>
               </a:rPr>
-              <a:t>显式以发送交易形式调用该函数</a:t>
-            </a:r>
-            <a:r>
-              <a:rPr lang="en-US" altLang="zh-CN" sz="1800" i="1" smtClean="0">
+              <a:t>还可以用传入回调函数的方法，立刻开始</a:t>
+            </a:r>
+            <a:r>
+              <a:rPr lang="zh-CN" altLang="en-US" sz="1650" i="1" smtClean="0">
                 <a:solidFill>
                   <a:schemeClr val="accent1">
                     <a:lumMod val="75000"/>
                   </a:schemeClr>
                 </a:solidFill>
               </a:rPr>
-              <a:t> </a:t>
-            </a:r>
-            <a:endParaRPr lang="en-US" altLang="zh-CN" sz="1800" i="1" smtClean="0">
+              <a:t>监听</a:t>
+            </a:r>
+            <a:r>
+              <a:rPr lang="zh-CN" altLang="en-US" sz="1650" i="1">
+                <a:solidFill>
+                  <a:schemeClr val="accent1">
+                    <a:lumMod val="75000"/>
+                  </a:schemeClr>
+                </a:solidFill>
+              </a:rPr>
+              <a:t>事件</a:t>
+            </a:r>
+            <a:endParaRPr lang="en-US" altLang="zh-CN" sz="1650" i="1">
               <a:solidFill>
                 <a:schemeClr val="accent1">
                   <a:lumMod val="75000"/>
@@ -10465,61 +10506,191 @@
           <a:p>
             <a:pPr marL="720090" indent="0">
               <a:lnSpc>
-                <a:spcPct val="150000"/>
+                <a:spcPct val="140000"/>
               </a:lnSpc>
               <a:buNone/>
             </a:pPr>
             <a:r>
-              <a:rPr lang="en-US" altLang="zh-CN" sz="1800" smtClean="0">
+              <a:rPr lang="en-US" altLang="zh-CN" sz="1650" i="1" smtClean="0">
                 <a:solidFill>
                   <a:schemeClr val="accent1">
                     <a:lumMod val="75000"/>
                   </a:schemeClr>
                 </a:solidFill>
               </a:rPr>
-              <a:t>myContractInstance.myMethod.sendTransaction(</a:t>
-            </a:r>
-            <a:r>
-              <a:rPr lang="en-US" altLang="zh-CN" sz="1800" i="1" smtClean="0">
+              <a:t>var </a:t>
+            </a:r>
+            <a:r>
+              <a:rPr lang="en-US" altLang="zh-CN" sz="1650" i="1">
                 <a:solidFill>
                   <a:schemeClr val="accent1">
                     <a:lumMod val="75000"/>
                   </a:schemeClr>
                 </a:solidFill>
               </a:rPr>
-              <a:t>param1 </a:t>
-            </a:r>
-            <a:r>
-              <a:rPr lang="en-US" altLang="zh-CN" sz="1800" i="1">
+              <a:t>event = myContractInstance.MyEvent([{valueA: 23}] </a:t>
+            </a:r>
+            <a:endParaRPr lang="en-US" altLang="zh-CN" sz="1650" i="1" smtClean="0">
+              <a:solidFill>
+                <a:schemeClr val="accent1">
+                  <a:lumMod val="75000"/>
+                </a:schemeClr>
+              </a:solidFill>
+            </a:endParaRPr>
+          </a:p>
+          <a:p>
+            <a:pPr marL="720090" indent="0">
+              <a:lnSpc>
+                <a:spcPct val="140000"/>
+              </a:lnSpc>
+              <a:buNone/>
+            </a:pPr>
+            <a:r>
+              <a:rPr lang="en-US" altLang="zh-CN" sz="1650" i="1" smtClean="0">
                 <a:solidFill>
                   <a:schemeClr val="accent1">
                     <a:lumMod val="75000"/>
                   </a:schemeClr>
                 </a:solidFill>
               </a:rPr>
-              <a:t>[, </a:t>
-            </a:r>
-            <a:r>
-              <a:rPr lang="en-US" altLang="zh-CN" sz="1800" i="1" smtClean="0">
+              <a:t>		[, additionalFilterObject</a:t>
+            </a:r>
+            <a:r>
+              <a:rPr lang="en-US" altLang="zh-CN" sz="1650" i="1">
                 <a:solidFill>
                   <a:schemeClr val="accent1">
                     <a:lumMod val="75000"/>
                   </a:schemeClr>
                 </a:solidFill>
               </a:rPr>
-              <a:t>		param2</a:t>
-            </a:r>
-            <a:r>
-              <a:rPr lang="en-US" altLang="zh-CN" sz="1800" i="1">
+              <a:t>] , function(error, result){ </a:t>
+            </a:r>
+            <a:endParaRPr lang="en-US" altLang="zh-CN" sz="1650" i="1" smtClean="0">
+              <a:solidFill>
+                <a:schemeClr val="accent1">
+                  <a:lumMod val="75000"/>
+                </a:schemeClr>
+              </a:solidFill>
+            </a:endParaRPr>
+          </a:p>
+          <a:p>
+            <a:pPr marL="720090" indent="0">
+              <a:lnSpc>
+                <a:spcPct val="140000"/>
+              </a:lnSpc>
+              <a:buNone/>
+            </a:pPr>
+            <a:r>
+              <a:rPr lang="en-US" altLang="zh-CN" sz="1650" i="1">
                 <a:solidFill>
                   <a:schemeClr val="accent1">
                     <a:lumMod val="75000"/>
                   </a:schemeClr>
                 </a:solidFill>
               </a:rPr>
-              <a:t>, ...] [, transactionObject] [, callback]); </a:t>
-            </a:r>
-            <a:endParaRPr lang="en-US" altLang="zh-CN" sz="1800" i="1" smtClean="0">
+              <a:t>	</a:t>
+            </a:r>
+            <a:r>
+              <a:rPr lang="en-US" altLang="zh-CN" sz="1650" i="1" smtClean="0">
+                <a:solidFill>
+                  <a:schemeClr val="accent1">
+                    <a:lumMod val="75000"/>
+                  </a:schemeClr>
+                </a:solidFill>
+              </a:rPr>
+              <a:t>		if </a:t>
+            </a:r>
+            <a:r>
+              <a:rPr lang="en-US" altLang="zh-CN" sz="1650" i="1">
+                <a:solidFill>
+                  <a:schemeClr val="accent1">
+                    <a:lumMod val="75000"/>
+                  </a:schemeClr>
+                </a:solidFill>
+              </a:rPr>
+              <a:t>(!error) </a:t>
+            </a:r>
+            <a:r>
+              <a:rPr lang="en-US" altLang="zh-CN" sz="1650" i="1" smtClean="0">
+                <a:solidFill>
+                  <a:schemeClr val="accent1">
+                    <a:lumMod val="75000"/>
+                  </a:schemeClr>
+                </a:solidFill>
+              </a:rPr>
+              <a:t>console.log(result</a:t>
+            </a:r>
+            <a:r>
+              <a:rPr lang="en-US" altLang="zh-CN" sz="1650" i="1">
+                <a:solidFill>
+                  <a:schemeClr val="accent1">
+                    <a:lumMod val="75000"/>
+                  </a:schemeClr>
+                </a:solidFill>
+              </a:rPr>
+              <a:t>); </a:t>
+            </a:r>
+            <a:endParaRPr lang="en-US" altLang="zh-CN" sz="1650" i="1" smtClean="0">
+              <a:solidFill>
+                <a:schemeClr val="accent1">
+                  <a:lumMod val="75000"/>
+                </a:schemeClr>
+              </a:solidFill>
+            </a:endParaRPr>
+          </a:p>
+          <a:p>
+            <a:pPr marL="720090" indent="0">
+              <a:lnSpc>
+                <a:spcPct val="140000"/>
+              </a:lnSpc>
+              <a:buNone/>
+            </a:pPr>
+            <a:r>
+              <a:rPr lang="en-US" altLang="zh-CN" sz="1650" i="1">
+                <a:solidFill>
+                  <a:schemeClr val="accent1">
+                    <a:lumMod val="75000"/>
+                  </a:schemeClr>
+                </a:solidFill>
+              </a:rPr>
+              <a:t>	</a:t>
+            </a:r>
+            <a:r>
+              <a:rPr lang="en-US" altLang="zh-CN" sz="1650" i="1" smtClean="0">
+                <a:solidFill>
+                  <a:schemeClr val="accent1">
+                    <a:lumMod val="75000"/>
+                  </a:schemeClr>
+                </a:solidFill>
+              </a:rPr>
+              <a:t>	}</a:t>
+            </a:r>
+            <a:endParaRPr lang="en-US" altLang="zh-CN" sz="1650" i="1" smtClean="0">
+              <a:solidFill>
+                <a:schemeClr val="accent1">
+                  <a:lumMod val="75000"/>
+                </a:schemeClr>
+              </a:solidFill>
+            </a:endParaRPr>
+          </a:p>
+          <a:p>
+            <a:pPr marL="720090" indent="0">
+              <a:lnSpc>
+                <a:spcPct val="140000"/>
+              </a:lnSpc>
+              <a:buNone/>
+            </a:pPr>
+            <a:r>
+              <a:rPr lang="en-US" altLang="zh-CN" sz="1650" i="1" smtClean="0">
+                <a:solidFill>
+                  <a:schemeClr val="accent1">
+                    <a:lumMod val="75000"/>
+                  </a:schemeClr>
+                </a:solidFill>
+              </a:rPr>
+              <a:t>);</a:t>
+            </a:r>
+            <a:endParaRPr lang="en-US" altLang="zh-CN" sz="1650" i="1">
               <a:solidFill>
                 <a:schemeClr val="accent1">
                   <a:lumMod val="75000"/>
@@ -10598,7 +10769,7 @@
         </p:nvSpPr>
         <p:spPr>
           <a:xfrm>
-            <a:off x="1485900" y="310344"/>
+            <a:off x="1485900" y="364350"/>
             <a:ext cx="6172200" cy="857250"/>
           </a:xfrm>
         </p:spPr>
@@ -10614,21 +10785,21 @@
                 <a:latin typeface="微软雅黑 Light" panose="020B0502040204020203" pitchFamily="34" charset="-122"/>
                 <a:ea typeface="微软雅黑 Light" panose="020B0502040204020203" pitchFamily="34" charset="-122"/>
               </a:rPr>
-              <a:t>  </a:t>
-            </a:r>
-            <a:r>
-              <a:rPr lang="zh-CN" altLang="en-US" sz="2700">
+              <a:t> </a:t>
+            </a:r>
+            <a:r>
+              <a:rPr lang="en-US" altLang="zh-CN" sz="2700">
                 <a:latin typeface="微软雅黑 Light" panose="020B0502040204020203" pitchFamily="34" charset="-122"/>
                 <a:ea typeface="微软雅黑 Light" panose="020B0502040204020203" pitchFamily="34" charset="-122"/>
               </a:rPr>
-              <a:t>监听</a:t>
+              <a:t> </a:t>
             </a:r>
             <a:r>
               <a:rPr lang="zh-CN" altLang="en-US" sz="2700" smtClean="0">
                 <a:latin typeface="微软雅黑 Light" panose="020B0502040204020203" pitchFamily="34" charset="-122"/>
                 <a:ea typeface="微软雅黑 Light" panose="020B0502040204020203" pitchFamily="34" charset="-122"/>
               </a:rPr>
-              <a:t>合约事件</a:t>
+              <a:t>消息调用</a:t>
             </a:r>
             <a:endParaRPr lang="zh-CN" altLang="en-US" sz="2700" dirty="0">
               <a:latin typeface="微软雅黑 Light" panose="020B0502040204020203" pitchFamily="34" charset="-122"/>
@@ -10661,49 +10832,153 @@
           <a:p>
             <a:pPr>
               <a:lnSpc>
-                <a:spcPct val="150000"/>
-              </a:lnSpc>
-            </a:pPr>
+                <a:spcPct val="200000"/>
+              </a:lnSpc>
+            </a:pPr>
+            <a:r>
+              <a:rPr lang="en-US" altLang="zh-CN" sz="1800" smtClean="0"/>
+              <a:t>web3.eth.call(</a:t>
+            </a:r>
+            <a:r>
+              <a:rPr lang="en-US" altLang="zh-CN" sz="1800" i="1" smtClean="0"/>
+              <a:t>callObject</a:t>
+            </a:r>
+            <a:r>
+              <a:rPr lang="en-US" altLang="zh-CN" sz="1800" smtClean="0"/>
+              <a:t> </a:t>
+            </a:r>
+            <a:r>
+              <a:rPr lang="en-US" altLang="zh-CN" sz="1800"/>
+              <a:t>[, </a:t>
+            </a:r>
+            <a:r>
+              <a:rPr lang="en-US" altLang="zh-CN" sz="1800" i="1"/>
+              <a:t>defaultBlock</a:t>
+            </a:r>
+            <a:r>
+              <a:rPr lang="en-US" altLang="zh-CN" sz="1800"/>
+              <a:t>] [, </a:t>
+            </a:r>
+            <a:r>
+              <a:rPr lang="en-US" altLang="zh-CN" sz="1800" i="1"/>
+              <a:t>callback</a:t>
+            </a:r>
+            <a:r>
+              <a:rPr lang="en-US" altLang="zh-CN" sz="1800"/>
+              <a:t>])</a:t>
+            </a:r>
+            <a:endParaRPr lang="en-US" altLang="zh-CN" sz="1800"/>
+          </a:p>
+          <a:p>
+            <a:pPr>
+              <a:lnSpc>
+                <a:spcPct val="200000"/>
+              </a:lnSpc>
+            </a:pPr>
+            <a:r>
+              <a:rPr lang="zh-CN" altLang="en-US" sz="1800"/>
+              <a:t>参数</a:t>
+            </a:r>
             <a:r>
               <a:rPr lang="zh-CN" altLang="en-US" sz="1800" smtClean="0"/>
-              <a:t>合约的 </a:t>
-            </a:r>
-            <a:r>
-              <a:rPr lang="en-US" altLang="zh-CN" sz="1800" smtClean="0"/>
-              <a:t>event </a:t>
-            </a:r>
-            <a:r>
-              <a:rPr lang="zh-CN" altLang="en-US" sz="1800" smtClean="0"/>
-              <a:t>类似于 </a:t>
-            </a:r>
-            <a:r>
-              <a:rPr lang="en-US" altLang="zh-CN" sz="1800" smtClean="0"/>
-              <a:t>filter</a:t>
-            </a:r>
-            <a:r>
-              <a:rPr lang="zh-CN" altLang="en-US" sz="1800" smtClean="0"/>
-              <a:t>，可以设置过滤选项来监听</a:t>
+              <a:t>：</a:t>
             </a:r>
             <a:endParaRPr lang="en-US" altLang="zh-CN" sz="1800" smtClean="0"/>
           </a:p>
           <a:p>
+            <a:pPr lvl="1">
+              <a:lnSpc>
+                <a:spcPct val="200000"/>
+              </a:lnSpc>
+            </a:pPr>
+            <a:r>
+              <a:rPr lang="zh-CN" altLang="en-US" sz="1350" smtClean="0"/>
+              <a:t>调用对象：与交易对象相同，只是</a:t>
+            </a:r>
+            <a:r>
+              <a:rPr lang="en-US" altLang="zh-CN" sz="1350" smtClean="0"/>
+              <a:t>from</a:t>
+            </a:r>
+            <a:r>
+              <a:rPr lang="zh-CN" altLang="en-US" sz="1350" smtClean="0"/>
+              <a:t>也是可选的</a:t>
+            </a:r>
+            <a:endParaRPr lang="en-US" altLang="zh-CN" sz="1350" smtClean="0"/>
+          </a:p>
+          <a:p>
+            <a:pPr lvl="1">
+              <a:lnSpc>
+                <a:spcPct val="200000"/>
+              </a:lnSpc>
+            </a:pPr>
+            <a:r>
+              <a:rPr lang="zh-CN" altLang="en-US" sz="1350" smtClean="0"/>
+              <a:t>默认区块：默认“</a:t>
+            </a:r>
+            <a:r>
+              <a:rPr lang="en-US" altLang="zh-CN" sz="1350" smtClean="0"/>
+              <a:t>latest</a:t>
+            </a:r>
+            <a:r>
+              <a:rPr lang="zh-CN" altLang="en-US" sz="1350" smtClean="0"/>
+              <a:t>”，可以传入指定的区块高度</a:t>
+            </a:r>
+            <a:endParaRPr lang="en-US" altLang="zh-CN" sz="1350" smtClean="0"/>
+          </a:p>
+          <a:p>
+            <a:pPr lvl="1">
+              <a:lnSpc>
+                <a:spcPct val="200000"/>
+              </a:lnSpc>
+            </a:pPr>
+            <a:r>
+              <a:rPr lang="zh-CN" altLang="en-US" sz="1350"/>
+              <a:t>回调函</a:t>
+            </a:r>
+            <a:r>
+              <a:rPr lang="zh-CN" altLang="en-US" sz="1350" smtClean="0"/>
+              <a:t>数，如果没有则为同步调用</a:t>
+            </a:r>
+            <a:endParaRPr lang="en-US" altLang="zh-CN" sz="1350" smtClean="0"/>
+          </a:p>
+          <a:p>
             <a:pPr marL="720090" indent="0">
               <a:lnSpc>
-                <a:spcPct val="140000"/>
+                <a:spcPct val="130000"/>
               </a:lnSpc>
               <a:buNone/>
             </a:pPr>
             <a:r>
-              <a:rPr lang="en-US" altLang="zh-CN" sz="1650" i="1">
+              <a:rPr lang="en-US" altLang="zh-CN" sz="1500" i="1">
                 <a:solidFill>
                   <a:schemeClr val="accent1">
                     <a:lumMod val="75000"/>
                   </a:schemeClr>
                 </a:solidFill>
               </a:rPr>
-              <a:t>var event = myContractInstance.MyEvent({valueA: 23} </a:t>
-            </a:r>
-            <a:endParaRPr lang="en-US" altLang="zh-CN" sz="1650" i="1" smtClean="0">
+              <a:t>var result = web3.eth.call({ to: </a:t>
+            </a:r>
+            <a:r>
+              <a:rPr lang="en-US" altLang="zh-CN" sz="1500" i="1" smtClean="0">
+                <a:solidFill>
+                  <a:schemeClr val="accent1">
+                    <a:lumMod val="75000"/>
+                  </a:schemeClr>
+                </a:solidFill>
+              </a:rPr>
+              <a:t>	"</a:t>
+            </a:r>
+            <a:r>
+              <a:rPr lang="en-US" altLang="zh-CN" sz="1500" i="1">
+                <a:solidFill>
+                  <a:schemeClr val="accent1">
+                    <a:lumMod val="75000"/>
+                  </a:schemeClr>
+                </a:solidFill>
+              </a:rPr>
+              <a:t>0xc4abd0339eb8d57087278718986382264244252f", </a:t>
+            </a:r>
+            <a:endParaRPr lang="en-US" altLang="zh-CN" sz="1500" i="1" smtClean="0">
               <a:solidFill>
                 <a:schemeClr val="accent1">
                   <a:lumMod val="75000"/>
@@ -10714,31 +10989,51 @@
           <a:p>
             <a:pPr marL="720090" indent="0">
               <a:lnSpc>
-                <a:spcPct val="140000"/>
+                <a:spcPct val="130000"/>
               </a:lnSpc>
               <a:buNone/>
             </a:pPr>
             <a:r>
-              <a:rPr lang="en-US" altLang="zh-CN" sz="1650" i="1" smtClean="0">
+              <a:rPr lang="en-US" altLang="zh-CN" sz="1500" i="1" smtClean="0">
                 <a:solidFill>
                   <a:schemeClr val="accent1">
                     <a:lumMod val="75000"/>
                   </a:schemeClr>
                 </a:solidFill>
               </a:rPr>
-              <a:t>		[, additionalFilterObject</a:t>
-            </a:r>
-            <a:r>
-              <a:rPr lang="en-US" altLang="zh-CN" sz="1650" i="1">
+              <a:t>	data</a:t>
+            </a:r>
+            <a:r>
+              <a:rPr lang="en-US" altLang="zh-CN" sz="1500" i="1">
                 <a:solidFill>
                   <a:schemeClr val="accent1">
                     <a:lumMod val="75000"/>
                   </a:schemeClr>
                 </a:solidFill>
               </a:rPr>
-              <a:t>]) </a:t>
-            </a:r>
-            <a:endParaRPr lang="en-US" altLang="zh-CN" sz="1650" i="1" smtClean="0">
+              <a:t>: 		</a:t>
+            </a:r>
+            <a:r>
+              <a:rPr lang="en-US" altLang="zh-CN" sz="1500" i="1" smtClean="0">
+                <a:solidFill>
+                  <a:schemeClr val="accent1">
+                    <a:lumMod val="75000"/>
+                  </a:schemeClr>
+                </a:solidFill>
+              </a:rPr>
+              <a:t>			"0xc6888fa1000000000000000000000000000000000000000000000000000		0000000000003</a:t>
+            </a:r>
+            <a:r>
+              <a:rPr lang="en-US" altLang="zh-CN" sz="1500" i="1">
+                <a:solidFill>
+                  <a:schemeClr val="accent1">
+                    <a:lumMod val="75000"/>
+                  </a:schemeClr>
+                </a:solidFill>
+              </a:rPr>
+              <a:t>" }); </a:t>
+            </a:r>
+            <a:endParaRPr lang="en-US" altLang="zh-CN" sz="1500" i="1">
               <a:solidFill>
                 <a:schemeClr val="accent1">
                   <a:lumMod val="75000"/>
@@ -10749,31 +11044,21 @@
           <a:p>
             <a:pPr marL="720090" indent="0">
               <a:lnSpc>
-                <a:spcPct val="140000"/>
+                <a:spcPct val="130000"/>
               </a:lnSpc>
               <a:buNone/>
             </a:pPr>
             <a:r>
-              <a:rPr lang="en-US" altLang="zh-CN" sz="1650" i="1" smtClean="0">
+              <a:rPr lang="en-US" altLang="zh-CN" sz="1500" i="1">
                 <a:solidFill>
                   <a:schemeClr val="accent1">
                     <a:lumMod val="75000"/>
                   </a:schemeClr>
                 </a:solidFill>
               </a:rPr>
-              <a:t>// </a:t>
-            </a:r>
-            <a:r>
-              <a:rPr lang="zh-CN" altLang="en-US" sz="1650" i="1" smtClean="0">
-                <a:solidFill>
-                  <a:schemeClr val="accent1">
-                    <a:lumMod val="75000"/>
-                  </a:schemeClr>
-                </a:solidFill>
-              </a:rPr>
-              <a:t>监听事件</a:t>
-            </a:r>
-            <a:endParaRPr lang="en-US" altLang="zh-CN" sz="1650" i="1" smtClean="0">
+              <a:t>console.log(result);</a:t>
+            </a:r>
+            <a:endParaRPr lang="en-US" altLang="zh-CN" sz="1500" i="1">
               <a:solidFill>
                 <a:schemeClr val="accent1">
                   <a:lumMod val="75000"/>
@@ -10782,297 +11067,12 @@
             </a:endParaRPr>
           </a:p>
           <a:p>
-            <a:pPr marL="720090" indent="0">
-              <a:lnSpc>
-                <a:spcPct val="140000"/>
-              </a:lnSpc>
-              <a:buNone/>
-            </a:pPr>
-            <a:r>
-              <a:rPr lang="en-US" altLang="zh-CN" sz="1650" i="1" smtClean="0">
-                <a:solidFill>
-                  <a:schemeClr val="accent1">
-                    <a:lumMod val="75000"/>
-                  </a:schemeClr>
-                </a:solidFill>
-              </a:rPr>
-              <a:t>event.watch(function(error</a:t>
-            </a:r>
-            <a:r>
-              <a:rPr lang="en-US" altLang="zh-CN" sz="1650" i="1">
-                <a:solidFill>
-                  <a:schemeClr val="accent1">
-                    <a:lumMod val="75000"/>
-                  </a:schemeClr>
-                </a:solidFill>
-              </a:rPr>
-              <a:t>, result){ if (!error) console.log(result); }); </a:t>
-            </a:r>
-            <a:endParaRPr lang="en-US" altLang="zh-CN" sz="1650" i="1" smtClean="0">
-              <a:solidFill>
-                <a:schemeClr val="accent1">
-                  <a:lumMod val="75000"/>
-                </a:schemeClr>
-              </a:solidFill>
-            </a:endParaRPr>
-          </a:p>
-          <a:p>
-            <a:pPr marL="720090" indent="0">
-              <a:lnSpc>
-                <a:spcPct val="140000"/>
-              </a:lnSpc>
-              <a:buNone/>
-            </a:pPr>
-            <a:r>
-              <a:rPr lang="en-US" altLang="zh-CN" sz="1650" i="1">
-                <a:solidFill>
-                  <a:schemeClr val="accent1">
-                    <a:lumMod val="75000"/>
-                  </a:schemeClr>
-                </a:solidFill>
-              </a:rPr>
-              <a:t>//</a:t>
-            </a:r>
-            <a:r>
-              <a:rPr lang="zh-CN" altLang="en-US" sz="1650" i="1">
-                <a:solidFill>
-                  <a:schemeClr val="accent1">
-                    <a:lumMod val="75000"/>
-                  </a:schemeClr>
-                </a:solidFill>
-              </a:rPr>
-              <a:t>还可以用传入回调函数的方法，立刻开始</a:t>
-            </a:r>
-            <a:r>
-              <a:rPr lang="zh-CN" altLang="en-US" sz="1650" i="1" smtClean="0">
-                <a:solidFill>
-                  <a:schemeClr val="accent1">
-                    <a:lumMod val="75000"/>
-                  </a:schemeClr>
-                </a:solidFill>
-              </a:rPr>
-              <a:t>监听</a:t>
-            </a:r>
-            <a:r>
-              <a:rPr lang="zh-CN" altLang="en-US" sz="1650" i="1">
-                <a:solidFill>
-                  <a:schemeClr val="accent1">
-                    <a:lumMod val="75000"/>
-                  </a:schemeClr>
-                </a:solidFill>
-              </a:rPr>
-              <a:t>事件</a:t>
-            </a:r>
-            <a:endParaRPr lang="en-US" altLang="zh-CN" sz="1650" i="1">
-              <a:solidFill>
-                <a:schemeClr val="accent1">
-                  <a:lumMod val="75000"/>
-                </a:schemeClr>
-              </a:solidFill>
-            </a:endParaRPr>
-          </a:p>
-          <a:p>
-            <a:pPr marL="720090" indent="0">
-              <a:lnSpc>
-                <a:spcPct val="140000"/>
-              </a:lnSpc>
-              <a:buNone/>
-            </a:pPr>
-            <a:r>
-              <a:rPr lang="en-US" altLang="zh-CN" sz="1650" i="1" smtClean="0">
-                <a:solidFill>
-                  <a:schemeClr val="accent1">
-                    <a:lumMod val="75000"/>
-                  </a:schemeClr>
-                </a:solidFill>
-              </a:rPr>
-              <a:t>var </a:t>
-            </a:r>
-            <a:r>
-              <a:rPr lang="en-US" altLang="zh-CN" sz="1650" i="1">
-                <a:solidFill>
-                  <a:schemeClr val="accent1">
-                    <a:lumMod val="75000"/>
-                  </a:schemeClr>
-                </a:solidFill>
-              </a:rPr>
-              <a:t>event = myContractInstance.MyEvent([{valueA: 23}] </a:t>
-            </a:r>
-            <a:endParaRPr lang="en-US" altLang="zh-CN" sz="1650" i="1" smtClean="0">
-              <a:solidFill>
-                <a:schemeClr val="accent1">
-                  <a:lumMod val="75000"/>
-                </a:schemeClr>
-              </a:solidFill>
-            </a:endParaRPr>
-          </a:p>
-          <a:p>
-            <a:pPr marL="720090" indent="0">
-              <a:lnSpc>
-                <a:spcPct val="140000"/>
-              </a:lnSpc>
-              <a:buNone/>
-            </a:pPr>
-            <a:r>
-              <a:rPr lang="en-US" altLang="zh-CN" sz="1650" i="1" smtClean="0">
-                <a:solidFill>
-                  <a:schemeClr val="accent1">
-                    <a:lumMod val="75000"/>
-                  </a:schemeClr>
-                </a:solidFill>
-              </a:rPr>
-              <a:t>		[, additionalFilterObject</a:t>
-            </a:r>
-            <a:r>
-              <a:rPr lang="en-US" altLang="zh-CN" sz="1650" i="1">
-                <a:solidFill>
-                  <a:schemeClr val="accent1">
-                    <a:lumMod val="75000"/>
-                  </a:schemeClr>
-                </a:solidFill>
-              </a:rPr>
-              <a:t>] , function(error, result){ </a:t>
-            </a:r>
-            <a:endParaRPr lang="en-US" altLang="zh-CN" sz="1650" i="1" smtClean="0">
-              <a:solidFill>
-                <a:schemeClr val="accent1">
-                  <a:lumMod val="75000"/>
-                </a:schemeClr>
-              </a:solidFill>
-            </a:endParaRPr>
-          </a:p>
-          <a:p>
-            <a:pPr marL="720090" indent="0">
-              <a:lnSpc>
-                <a:spcPct val="140000"/>
-              </a:lnSpc>
-              <a:buNone/>
-            </a:pPr>
-            <a:r>
-              <a:rPr lang="en-US" altLang="zh-CN" sz="1650" i="1">
-                <a:solidFill>
-                  <a:schemeClr val="accent1">
-                    <a:lumMod val="75000"/>
-                  </a:schemeClr>
-                </a:solidFill>
-              </a:rPr>
-              <a:t>	</a:t>
-            </a:r>
-            <a:r>
-              <a:rPr lang="en-US" altLang="zh-CN" sz="1650" i="1" smtClean="0">
-                <a:solidFill>
-                  <a:schemeClr val="accent1">
-                    <a:lumMod val="75000"/>
-                  </a:schemeClr>
-                </a:solidFill>
-              </a:rPr>
-              <a:t>		if </a:t>
-            </a:r>
-            <a:r>
-              <a:rPr lang="en-US" altLang="zh-CN" sz="1650" i="1">
-                <a:solidFill>
-                  <a:schemeClr val="accent1">
-                    <a:lumMod val="75000"/>
-                  </a:schemeClr>
-                </a:solidFill>
-              </a:rPr>
-              <a:t>(!error) </a:t>
-            </a:r>
-            <a:r>
-              <a:rPr lang="en-US" altLang="zh-CN" sz="1650" i="1" smtClean="0">
-                <a:solidFill>
-                  <a:schemeClr val="accent1">
-                    <a:lumMod val="75000"/>
-                  </a:schemeClr>
-                </a:solidFill>
-              </a:rPr>
-              <a:t>console.log(result</a:t>
-            </a:r>
-            <a:r>
-              <a:rPr lang="en-US" altLang="zh-CN" sz="1650" i="1">
-                <a:solidFill>
-                  <a:schemeClr val="accent1">
-                    <a:lumMod val="75000"/>
-                  </a:schemeClr>
-                </a:solidFill>
-              </a:rPr>
-              <a:t>); </a:t>
-            </a:r>
-            <a:endParaRPr lang="en-US" altLang="zh-CN" sz="1650" i="1" smtClean="0">
-              <a:solidFill>
-                <a:schemeClr val="accent1">
-                  <a:lumMod val="75000"/>
-                </a:schemeClr>
-              </a:solidFill>
-            </a:endParaRPr>
-          </a:p>
-          <a:p>
-            <a:pPr marL="720090" indent="0">
-              <a:lnSpc>
-                <a:spcPct val="140000"/>
-              </a:lnSpc>
-              <a:buNone/>
-            </a:pPr>
-            <a:r>
-              <a:rPr lang="en-US" altLang="zh-CN" sz="1650" i="1">
-                <a:solidFill>
-                  <a:schemeClr val="accent1">
-                    <a:lumMod val="75000"/>
-                  </a:schemeClr>
-                </a:solidFill>
-              </a:rPr>
-              <a:t>	</a:t>
-            </a:r>
-            <a:r>
-              <a:rPr lang="en-US" altLang="zh-CN" sz="1650" i="1" smtClean="0">
-                <a:solidFill>
-                  <a:schemeClr val="accent1">
-                    <a:lumMod val="75000"/>
-                  </a:schemeClr>
-                </a:solidFill>
-              </a:rPr>
-              <a:t>	}</a:t>
-            </a:r>
-            <a:endParaRPr lang="en-US" altLang="zh-CN" sz="1650" i="1" smtClean="0">
-              <a:solidFill>
-                <a:schemeClr val="accent1">
-                  <a:lumMod val="75000"/>
-                </a:schemeClr>
-              </a:solidFill>
-            </a:endParaRPr>
-          </a:p>
-          <a:p>
-            <a:pPr marL="720090" indent="0">
-              <a:lnSpc>
-                <a:spcPct val="140000"/>
-              </a:lnSpc>
-              <a:buNone/>
-            </a:pPr>
-            <a:r>
-              <a:rPr lang="en-US" altLang="zh-CN" sz="1650" i="1" smtClean="0">
-                <a:solidFill>
-                  <a:schemeClr val="accent1">
-                    <a:lumMod val="75000"/>
-                  </a:schemeClr>
-                </a:solidFill>
-              </a:rPr>
-              <a:t>);</a:t>
-            </a:r>
-            <a:endParaRPr lang="en-US" altLang="zh-CN" sz="1650" i="1">
-              <a:solidFill>
-                <a:schemeClr val="accent1">
-                  <a:lumMod val="75000"/>
-                </a:schemeClr>
-              </a:solidFill>
-            </a:endParaRPr>
-          </a:p>
-          <a:p>
-            <a:pPr>
+            <a:pPr lvl="1">
               <a:lnSpc>
                 <a:spcPct val="150000"/>
               </a:lnSpc>
             </a:pPr>
-            <a:endParaRPr lang="en-US" altLang="zh-CN" sz="1800" smtClean="0"/>
+            <a:endParaRPr lang="en-US" altLang="zh-CN" sz="1200"/>
           </a:p>
           <a:p>
             <a:pPr>
